--- a/Manuscript/figures/FLPhish_System.pptx
+++ b/Manuscript/figures/FLPhish_System.pptx
@@ -5,7 +5,7 @@
     <p:sldMasterId id="2147483648" r:id="rId1"/>
   </p:sldMasterIdLst>
   <p:sldIdLst>
-    <p:sldId id="264" r:id="rId2"/>
+    <p:sldId id="265" r:id="rId2"/>
   </p:sldIdLst>
   <p:sldSz cx="12192000" cy="6858000"/>
   <p:notesSz cx="6858000" cy="9144000"/>
@@ -241,7 +241,7 @@
           <a:p>
             <a:fld id="{D997B5FA-0921-464F-AAE1-844C04324D75}" type="datetimeFigureOut">
               <a:rPr lang="zh-CN" altLang="en-US" smtClean="0"/>
-              <a:t>2021-11-27</a:t>
+              <a:t>2021/12/22</a:t>
             </a:fld>
             <a:endParaRPr lang="zh-CN" altLang="en-US"/>
           </a:p>
@@ -404,7 +404,7 @@
           <a:p>
             <a:fld id="{D997B5FA-0921-464F-AAE1-844C04324D75}" type="datetimeFigureOut">
               <a:rPr lang="zh-CN" altLang="en-US" smtClean="0"/>
-              <a:t>2021-11-27</a:t>
+              <a:t>2021/12/22</a:t>
             </a:fld>
             <a:endParaRPr lang="zh-CN" altLang="en-US"/>
           </a:p>
@@ -577,7 +577,7 @@
           <a:p>
             <a:fld id="{D997B5FA-0921-464F-AAE1-844C04324D75}" type="datetimeFigureOut">
               <a:rPr lang="zh-CN" altLang="en-US" smtClean="0"/>
-              <a:t>2021-11-27</a:t>
+              <a:t>2021/12/22</a:t>
             </a:fld>
             <a:endParaRPr lang="zh-CN" altLang="en-US"/>
           </a:p>
@@ -740,7 +740,7 @@
           <a:p>
             <a:fld id="{D997B5FA-0921-464F-AAE1-844C04324D75}" type="datetimeFigureOut">
               <a:rPr lang="zh-CN" altLang="en-US" smtClean="0"/>
-              <a:t>2021-11-27</a:t>
+              <a:t>2021/12/22</a:t>
             </a:fld>
             <a:endParaRPr lang="zh-CN" altLang="en-US"/>
           </a:p>
@@ -980,7 +980,7 @@
           <a:p>
             <a:fld id="{D997B5FA-0921-464F-AAE1-844C04324D75}" type="datetimeFigureOut">
               <a:rPr lang="zh-CN" altLang="en-US" smtClean="0"/>
-              <a:t>2021-11-27</a:t>
+              <a:t>2021/12/22</a:t>
             </a:fld>
             <a:endParaRPr lang="zh-CN" altLang="en-US"/>
           </a:p>
@@ -1204,7 +1204,7 @@
           <a:p>
             <a:fld id="{D997B5FA-0921-464F-AAE1-844C04324D75}" type="datetimeFigureOut">
               <a:rPr lang="zh-CN" altLang="en-US" smtClean="0"/>
-              <a:t>2021-11-27</a:t>
+              <a:t>2021/12/22</a:t>
             </a:fld>
             <a:endParaRPr lang="zh-CN" altLang="en-US"/>
           </a:p>
@@ -1563,7 +1563,7 @@
           <a:p>
             <a:fld id="{D997B5FA-0921-464F-AAE1-844C04324D75}" type="datetimeFigureOut">
               <a:rPr lang="zh-CN" altLang="en-US" smtClean="0"/>
-              <a:t>2021-11-27</a:t>
+              <a:t>2021/12/22</a:t>
             </a:fld>
             <a:endParaRPr lang="zh-CN" altLang="en-US"/>
           </a:p>
@@ -1675,7 +1675,7 @@
           <a:p>
             <a:fld id="{D997B5FA-0921-464F-AAE1-844C04324D75}" type="datetimeFigureOut">
               <a:rPr lang="zh-CN" altLang="en-US" smtClean="0"/>
-              <a:t>2021-11-27</a:t>
+              <a:t>2021/12/22</a:t>
             </a:fld>
             <a:endParaRPr lang="zh-CN" altLang="en-US"/>
           </a:p>
@@ -1765,7 +1765,7 @@
           <a:p>
             <a:fld id="{D997B5FA-0921-464F-AAE1-844C04324D75}" type="datetimeFigureOut">
               <a:rPr lang="zh-CN" altLang="en-US" smtClean="0"/>
-              <a:t>2021-11-27</a:t>
+              <a:t>2021/12/22</a:t>
             </a:fld>
             <a:endParaRPr lang="zh-CN" altLang="en-US"/>
           </a:p>
@@ -2035,7 +2035,7 @@
           <a:p>
             <a:fld id="{D997B5FA-0921-464F-AAE1-844C04324D75}" type="datetimeFigureOut">
               <a:rPr lang="zh-CN" altLang="en-US" smtClean="0"/>
-              <a:t>2021-11-27</a:t>
+              <a:t>2021/12/22</a:t>
             </a:fld>
             <a:endParaRPr lang="zh-CN" altLang="en-US"/>
           </a:p>
@@ -2282,7 +2282,7 @@
           <a:p>
             <a:fld id="{D997B5FA-0921-464F-AAE1-844C04324D75}" type="datetimeFigureOut">
               <a:rPr lang="zh-CN" altLang="en-US" smtClean="0"/>
-              <a:t>2021-11-27</a:t>
+              <a:t>2021/12/22</a:t>
             </a:fld>
             <a:endParaRPr lang="zh-CN" altLang="en-US"/>
           </a:p>
@@ -2488,7 +2488,7 @@
           <a:p>
             <a:fld id="{D997B5FA-0921-464F-AAE1-844C04324D75}" type="datetimeFigureOut">
               <a:rPr lang="zh-CN" altLang="en-US" smtClean="0"/>
-              <a:t>2021-11-27</a:t>
+              <a:t>2021/12/22</a:t>
             </a:fld>
             <a:endParaRPr lang="zh-CN" altLang="en-US"/>
           </a:p>
@@ -2888,122 +2888,12 @@
           <a:chExt cx="0" cy="0"/>
         </a:xfrm>
       </p:grpSpPr>
-      <p:sp>
-        <p:nvSpPr>
-          <p:cNvPr id="172" name="矩形: 圆角 171">
+      <p:grpSp>
+        <p:nvGrpSpPr>
+          <p:cNvPr id="39" name="Group 38">
             <a:extLst>
               <a:ext uri="{FF2B5EF4-FFF2-40B4-BE49-F238E27FC236}">
-                <a16:creationId xmlns:a16="http://schemas.microsoft.com/office/drawing/2014/main" id="{A2D13E9A-E330-4DC3-A713-A42266F9418A}"/>
-              </a:ext>
-            </a:extLst>
-          </p:cNvPr>
-          <p:cNvSpPr/>
-          <p:nvPr/>
-        </p:nvSpPr>
-        <p:spPr>
-          <a:xfrm flipH="1">
-            <a:off x="3804172" y="2707239"/>
-            <a:ext cx="3257595" cy="2273202"/>
-          </a:xfrm>
-          <a:prstGeom prst="roundRect">
-            <a:avLst/>
-          </a:prstGeom>
-          <a:solidFill>
-            <a:schemeClr val="accent1">
-              <a:lumMod val="40000"/>
-              <a:lumOff val="60000"/>
-            </a:schemeClr>
-          </a:solidFill>
-          <a:ln>
-            <a:noFill/>
-          </a:ln>
-        </p:spPr>
-        <p:style>
-          <a:lnRef idx="2">
-            <a:schemeClr val="accent3">
-              <a:shade val="50000"/>
-            </a:schemeClr>
-          </a:lnRef>
-          <a:fillRef idx="1">
-            <a:schemeClr val="accent3"/>
-          </a:fillRef>
-          <a:effectRef idx="0">
-            <a:schemeClr val="accent3"/>
-          </a:effectRef>
-          <a:fontRef idx="minor">
-            <a:schemeClr val="lt1"/>
-          </a:fontRef>
-        </p:style>
-        <p:txBody>
-          <a:bodyPr rtlCol="0" anchor="ctr"/>
-          <a:lstStyle/>
-          <a:p>
-            <a:pPr algn="ctr"/>
-            <a:endParaRPr lang="zh-CN" altLang="en-US" dirty="0"/>
-          </a:p>
-        </p:txBody>
-      </p:sp>
-      <p:sp>
-        <p:nvSpPr>
-          <p:cNvPr id="171" name="矩形: 圆角 170">
-            <a:extLst>
-              <a:ext uri="{FF2B5EF4-FFF2-40B4-BE49-F238E27FC236}">
-                <a16:creationId xmlns:a16="http://schemas.microsoft.com/office/drawing/2014/main" id="{71F4A02A-7A97-40B6-A2DC-03EDFAEFCBE6}"/>
-              </a:ext>
-            </a:extLst>
-          </p:cNvPr>
-          <p:cNvSpPr/>
-          <p:nvPr/>
-        </p:nvSpPr>
-        <p:spPr>
-          <a:xfrm flipH="1">
-            <a:off x="1679377" y="2707239"/>
-            <a:ext cx="1734611" cy="2273202"/>
-          </a:xfrm>
-          <a:prstGeom prst="roundRect">
-            <a:avLst/>
-          </a:prstGeom>
-          <a:solidFill>
-            <a:schemeClr val="accent2">
-              <a:lumMod val="40000"/>
-              <a:lumOff val="60000"/>
-            </a:schemeClr>
-          </a:solidFill>
-          <a:ln>
-            <a:noFill/>
-          </a:ln>
-        </p:spPr>
-        <p:style>
-          <a:lnRef idx="2">
-            <a:schemeClr val="accent3">
-              <a:shade val="50000"/>
-            </a:schemeClr>
-          </a:lnRef>
-          <a:fillRef idx="1">
-            <a:schemeClr val="accent3"/>
-          </a:fillRef>
-          <a:effectRef idx="0">
-            <a:schemeClr val="accent3"/>
-          </a:effectRef>
-          <a:fontRef idx="minor">
-            <a:schemeClr val="lt1"/>
-          </a:fontRef>
-        </p:style>
-        <p:txBody>
-          <a:bodyPr rtlCol="0" anchor="ctr"/>
-          <a:lstStyle/>
-          <a:p>
-            <a:pPr algn="ctr"/>
-            <a:endParaRPr lang="zh-CN" altLang="en-US" dirty="0"/>
-          </a:p>
-        </p:txBody>
-      </p:sp>
-      <p:grpSp>
-        <p:nvGrpSpPr>
-          <p:cNvPr id="6" name="组合 5">
-            <a:extLst>
-              <a:ext uri="{FF2B5EF4-FFF2-40B4-BE49-F238E27FC236}">
-                <a16:creationId xmlns:a16="http://schemas.microsoft.com/office/drawing/2014/main" id="{5F5E36BA-112C-4774-AC10-048AB2314A45}"/>
+                <a16:creationId xmlns:a16="http://schemas.microsoft.com/office/drawing/2014/main" id="{9635AB6E-D1C5-4B5B-8B1A-8FC9518D066D}"/>
               </a:ext>
             </a:extLst>
           </p:cNvPr>
@@ -3012,273 +2902,128 @@
         </p:nvGrpSpPr>
         <p:grpSpPr>
           <a:xfrm>
-            <a:off x="3725988" y="2707239"/>
-            <a:ext cx="1121899" cy="871030"/>
-            <a:chOff x="7419209" y="3727382"/>
-            <a:chExt cx="1121899" cy="871030"/>
+            <a:off x="2203544" y="1901888"/>
+            <a:ext cx="3089746" cy="3363523"/>
+            <a:chOff x="2203544" y="1901888"/>
+            <a:chExt cx="3089746" cy="3363523"/>
           </a:xfrm>
         </p:grpSpPr>
-        <p:pic>
-          <p:nvPicPr>
-            <p:cNvPr id="74" name="图片 73" descr="人工智能"/>
-            <p:cNvPicPr>
-              <a:picLocks noChangeAspect="1"/>
-            </p:cNvPicPr>
-            <p:nvPr/>
-          </p:nvPicPr>
-          <p:blipFill>
-            <a:blip r:embed="rId2"/>
-            <a:stretch>
-              <a:fillRect/>
-            </a:stretch>
-          </p:blipFill>
-          <p:spPr>
-            <a:xfrm>
-              <a:off x="7674159" y="3727382"/>
-              <a:ext cx="612000" cy="612000"/>
-            </a:xfrm>
-            <a:prstGeom prst="rect">
-              <a:avLst/>
-            </a:prstGeom>
-          </p:spPr>
-        </p:pic>
         <p:sp>
           <p:nvSpPr>
-            <p:cNvPr id="134" name="文本框 133"/>
-            <p:cNvSpPr txBox="1"/>
+            <p:cNvPr id="172" name="矩形: 圆角 171">
+              <a:extLst>
+                <a:ext uri="{FF2B5EF4-FFF2-40B4-BE49-F238E27FC236}">
+                  <a16:creationId xmlns:a16="http://schemas.microsoft.com/office/drawing/2014/main" id="{A2D13E9A-E330-4DC3-A713-A42266F9418A}"/>
+                </a:ext>
+              </a:extLst>
+            </p:cNvPr>
+            <p:cNvSpPr/>
             <p:nvPr/>
           </p:nvSpPr>
           <p:spPr>
-            <a:xfrm>
-              <a:off x="7419209" y="4321413"/>
-              <a:ext cx="1121899" cy="276999"/>
+            <a:xfrm flipH="1">
+              <a:off x="3781497" y="2707238"/>
+              <a:ext cx="1332822" cy="2542543"/>
             </a:xfrm>
-            <a:prstGeom prst="rect">
+            <a:prstGeom prst="roundRect">
               <a:avLst/>
             </a:prstGeom>
-            <a:noFill/>
+            <a:solidFill>
+              <a:schemeClr val="accent1">
+                <a:lumMod val="40000"/>
+                <a:lumOff val="60000"/>
+              </a:schemeClr>
+            </a:solidFill>
+            <a:ln>
+              <a:noFill/>
+            </a:ln>
           </p:spPr>
+          <p:style>
+            <a:lnRef idx="2">
+              <a:schemeClr val="accent3">
+                <a:shade val="50000"/>
+              </a:schemeClr>
+            </a:lnRef>
+            <a:fillRef idx="1">
+              <a:schemeClr val="accent3"/>
+            </a:fillRef>
+            <a:effectRef idx="0">
+              <a:schemeClr val="accent3"/>
+            </a:effectRef>
+            <a:fontRef idx="minor">
+              <a:schemeClr val="lt1"/>
+            </a:fontRef>
+          </p:style>
           <p:txBody>
-            <a:bodyPr wrap="square" rtlCol="0">
-              <a:spAutoFit/>
-            </a:bodyPr>
+            <a:bodyPr rtlCol="0" anchor="ctr"/>
             <a:lstStyle/>
             <a:p>
               <a:pPr algn="ctr"/>
-              <a:r>
-                <a:rPr lang="en-US" altLang="zh-CN" sz="1200" b="1" dirty="0"/>
-                <a:t>Global Model</a:t>
-              </a:r>
+              <a:endParaRPr lang="zh-CN" altLang="en-US" dirty="0"/>
             </a:p>
           </p:txBody>
         </p:sp>
-      </p:grpSp>
-      <p:grpSp>
-        <p:nvGrpSpPr>
-          <p:cNvPr id="4" name="组合 3">
-            <a:extLst>
-              <a:ext uri="{FF2B5EF4-FFF2-40B4-BE49-F238E27FC236}">
-                <a16:creationId xmlns:a16="http://schemas.microsoft.com/office/drawing/2014/main" id="{7B0E9611-6E2E-4402-BE41-33F0618616CE}"/>
-              </a:ext>
-            </a:extLst>
-          </p:cNvPr>
-          <p:cNvGrpSpPr/>
-          <p:nvPr/>
-        </p:nvGrpSpPr>
-        <p:grpSpPr>
-          <a:xfrm>
-            <a:off x="2293070" y="2665489"/>
-            <a:ext cx="1094740" cy="1081147"/>
-            <a:chOff x="3572568" y="4084320"/>
-            <a:chExt cx="1094740" cy="1081147"/>
-          </a:xfrm>
-        </p:grpSpPr>
-        <p:pic>
-          <p:nvPicPr>
-            <p:cNvPr id="71" name="图片 70" descr="数据 (2)"/>
-            <p:cNvPicPr>
-              <a:picLocks noChangeAspect="1"/>
-            </p:cNvPicPr>
-            <p:nvPr/>
-          </p:nvPicPr>
-          <p:blipFill>
-            <a:blip r:embed="rId3"/>
-            <a:stretch>
-              <a:fillRect/>
-            </a:stretch>
-          </p:blipFill>
-          <p:spPr>
-            <a:xfrm>
-              <a:off x="3753485" y="4084320"/>
-              <a:ext cx="720090" cy="720090"/>
-            </a:xfrm>
-            <a:prstGeom prst="rect">
-              <a:avLst/>
-            </a:prstGeom>
-          </p:spPr>
-        </p:pic>
         <p:sp>
           <p:nvSpPr>
-            <p:cNvPr id="113" name="文本框 112"/>
-            <p:cNvSpPr txBox="1"/>
+            <p:cNvPr id="171" name="矩形: 圆角 170">
+              <a:extLst>
+                <a:ext uri="{FF2B5EF4-FFF2-40B4-BE49-F238E27FC236}">
+                  <a16:creationId xmlns:a16="http://schemas.microsoft.com/office/drawing/2014/main" id="{71F4A02A-7A97-40B6-A2DC-03EDFAEFCBE6}"/>
+                </a:ext>
+              </a:extLst>
+            </p:cNvPr>
+            <p:cNvSpPr/>
             <p:nvPr/>
           </p:nvSpPr>
           <p:spPr>
-            <a:xfrm>
-              <a:off x="3572568" y="4705092"/>
-              <a:ext cx="1094740" cy="460375"/>
+            <a:xfrm flipH="1">
+              <a:off x="2321165" y="2707238"/>
+              <a:ext cx="1170941" cy="2554071"/>
             </a:xfrm>
-            <a:prstGeom prst="rect">
+            <a:prstGeom prst="roundRect">
               <a:avLst/>
             </a:prstGeom>
-            <a:noFill/>
+            <a:solidFill>
+              <a:schemeClr val="accent2">
+                <a:lumMod val="40000"/>
+                <a:lumOff val="60000"/>
+              </a:schemeClr>
+            </a:solidFill>
+            <a:ln>
+              <a:noFill/>
+            </a:ln>
           </p:spPr>
+          <p:style>
+            <a:lnRef idx="2">
+              <a:schemeClr val="accent3">
+                <a:shade val="50000"/>
+              </a:schemeClr>
+            </a:lnRef>
+            <a:fillRef idx="1">
+              <a:schemeClr val="accent3"/>
+            </a:fillRef>
+            <a:effectRef idx="0">
+              <a:schemeClr val="accent3"/>
+            </a:effectRef>
+            <a:fontRef idx="minor">
+              <a:schemeClr val="lt1"/>
+            </a:fontRef>
+          </p:style>
           <p:txBody>
-            <a:bodyPr wrap="square" rtlCol="0">
-              <a:spAutoFit/>
-            </a:bodyPr>
+            <a:bodyPr rtlCol="0" anchor="ctr"/>
             <a:lstStyle/>
             <a:p>
               <a:pPr algn="ctr"/>
-              <a:r>
-                <a:rPr lang="en-US" altLang="zh-CN" sz="1200" b="1" dirty="0"/>
-                <a:t>Poisoned Local Dataset</a:t>
-              </a:r>
+              <a:endParaRPr lang="zh-CN" altLang="en-US" dirty="0"/>
             </a:p>
           </p:txBody>
         </p:sp>
-        <p:pic>
-          <p:nvPicPr>
-            <p:cNvPr id="73" name="图片 72" descr="病毒 (1)"/>
-            <p:cNvPicPr>
-              <a:picLocks noChangeAspect="1"/>
-            </p:cNvPicPr>
-            <p:nvPr/>
-          </p:nvPicPr>
-          <p:blipFill>
-            <a:blip r:embed="rId4"/>
-            <a:stretch>
-              <a:fillRect/>
-            </a:stretch>
-          </p:blipFill>
-          <p:spPr>
-            <a:xfrm>
-              <a:off x="4147174" y="4341461"/>
-              <a:ext cx="360045" cy="360045"/>
-            </a:xfrm>
-            <a:prstGeom prst="rect">
-              <a:avLst/>
-            </a:prstGeom>
-          </p:spPr>
-        </p:pic>
-      </p:grpSp>
-      <p:grpSp>
-        <p:nvGrpSpPr>
-          <p:cNvPr id="2" name="组合 1">
-            <a:extLst>
-              <a:ext uri="{FF2B5EF4-FFF2-40B4-BE49-F238E27FC236}">
-                <a16:creationId xmlns:a16="http://schemas.microsoft.com/office/drawing/2014/main" id="{FE05EDA2-74CC-4A7A-A62E-140DA5E6EFA3}"/>
-              </a:ext>
-            </a:extLst>
-          </p:cNvPr>
-          <p:cNvGrpSpPr/>
-          <p:nvPr/>
-        </p:nvGrpSpPr>
-        <p:grpSpPr>
-          <a:xfrm>
-            <a:off x="1679378" y="3252198"/>
-            <a:ext cx="906113" cy="866874"/>
-            <a:chOff x="2055828" y="4084320"/>
-            <a:chExt cx="906113" cy="866874"/>
-          </a:xfrm>
-        </p:grpSpPr>
-        <p:pic>
-          <p:nvPicPr>
-            <p:cNvPr id="9" name="图片 8" descr="用户 (1)"/>
-            <p:cNvPicPr>
-              <a:picLocks noChangeAspect="1"/>
-            </p:cNvPicPr>
-            <p:nvPr/>
-          </p:nvPicPr>
-          <p:blipFill>
-            <a:blip r:embed="rId5"/>
-            <a:stretch>
-              <a:fillRect/>
-            </a:stretch>
-          </p:blipFill>
-          <p:spPr>
-            <a:xfrm flipH="1">
-              <a:off x="2141220" y="4084320"/>
-              <a:ext cx="735330" cy="720090"/>
-            </a:xfrm>
-            <a:prstGeom prst="rect">
-              <a:avLst/>
-            </a:prstGeom>
-          </p:spPr>
-        </p:pic>
-        <p:sp>
-          <p:nvSpPr>
-            <p:cNvPr id="93" name="文本框 92">
+        <p:grpSp>
+          <p:nvGrpSpPr>
+            <p:cNvPr id="6" name="组合 5">
               <a:extLst>
                 <a:ext uri="{FF2B5EF4-FFF2-40B4-BE49-F238E27FC236}">
-                  <a16:creationId xmlns:a16="http://schemas.microsoft.com/office/drawing/2014/main" id="{6A624DD8-361E-4F1C-AC7B-B4A620C8D8B9}"/>
-                </a:ext>
-              </a:extLst>
-            </p:cNvPr>
-            <p:cNvSpPr txBox="1"/>
-            <p:nvPr/>
-          </p:nvSpPr>
-          <p:spPr>
-            <a:xfrm>
-              <a:off x="2055828" y="4612640"/>
-              <a:ext cx="906113" cy="338554"/>
-            </a:xfrm>
-            <a:prstGeom prst="rect">
-              <a:avLst/>
-            </a:prstGeom>
-            <a:noFill/>
-          </p:spPr>
-          <p:txBody>
-            <a:bodyPr wrap="square" rtlCol="0">
-              <a:spAutoFit/>
-            </a:bodyPr>
-            <a:lstStyle/>
-            <a:p>
-              <a:pPr algn="ctr"/>
-              <a:r>
-                <a:rPr lang="en-US" altLang="zh-CN" sz="1600" b="1" i="1" dirty="0"/>
-                <a:t>FL Client</a:t>
-              </a:r>
-            </a:p>
-          </p:txBody>
-        </p:sp>
-      </p:grpSp>
-      <p:grpSp>
-        <p:nvGrpSpPr>
-          <p:cNvPr id="21" name="组合 20">
-            <a:extLst>
-              <a:ext uri="{FF2B5EF4-FFF2-40B4-BE49-F238E27FC236}">
-                <a16:creationId xmlns:a16="http://schemas.microsoft.com/office/drawing/2014/main" id="{02A24C02-63F3-4474-92E8-44B507AD397C}"/>
-              </a:ext>
-            </a:extLst>
-          </p:cNvPr>
-          <p:cNvGrpSpPr/>
-          <p:nvPr/>
-        </p:nvGrpSpPr>
-        <p:grpSpPr>
-          <a:xfrm>
-            <a:off x="2279491" y="4037033"/>
-            <a:ext cx="1121899" cy="947901"/>
-            <a:chOff x="2233582" y="3844591"/>
-            <a:chExt cx="1121899" cy="947901"/>
-          </a:xfrm>
-        </p:grpSpPr>
-        <p:grpSp>
-          <p:nvGrpSpPr>
-            <p:cNvPr id="102" name="组合 101">
-              <a:extLst>
-                <a:ext uri="{FF2B5EF4-FFF2-40B4-BE49-F238E27FC236}">
-                  <a16:creationId xmlns:a16="http://schemas.microsoft.com/office/drawing/2014/main" id="{C58481CD-A263-41FC-A97C-15C1CE00BDF6}"/>
+                  <a16:creationId xmlns:a16="http://schemas.microsoft.com/office/drawing/2014/main" id="{5F5E36BA-112C-4774-AC10-048AB2314A45}"/>
                 </a:ext>
               </a:extLst>
             </p:cNvPr>
@@ -3287,21 +3032,15 @@
           </p:nvGrpSpPr>
           <p:grpSpPr>
             <a:xfrm>
-              <a:off x="2233582" y="3844591"/>
-              <a:ext cx="1121899" cy="947901"/>
-              <a:chOff x="7396031" y="3737852"/>
-              <a:chExt cx="1121899" cy="947901"/>
+              <a:off x="3909382" y="2710143"/>
+              <a:ext cx="1102955" cy="791865"/>
+              <a:chOff x="7581350" y="3715581"/>
+              <a:chExt cx="1102955" cy="791865"/>
             </a:xfrm>
           </p:grpSpPr>
           <p:pic>
             <p:nvPicPr>
-              <p:cNvPr id="103" name="图片 102" descr="人工智能">
-                <a:extLst>
-                  <a:ext uri="{FF2B5EF4-FFF2-40B4-BE49-F238E27FC236}">
-                    <a16:creationId xmlns:a16="http://schemas.microsoft.com/office/drawing/2014/main" id="{44FE7E78-0388-4E2B-AA03-4C5C9F0E7B3C}"/>
-                  </a:ext>
-                </a:extLst>
-              </p:cNvPr>
+              <p:cNvPr id="74" name="图片 73" descr="人工智能"/>
               <p:cNvPicPr>
                 <a:picLocks noChangeAspect="1"/>
               </p:cNvPicPr>
@@ -3315,7 +3054,7 @@
             </p:blipFill>
             <p:spPr>
               <a:xfrm>
-                <a:off x="7650981" y="3737852"/>
+                <a:off x="7845281" y="3715581"/>
                 <a:ext cx="612000" cy="612000"/>
               </a:xfrm>
               <a:prstGeom prst="rect">
@@ -3325,20 +3064,14 @@
           </p:pic>
           <p:sp>
             <p:nvSpPr>
-              <p:cNvPr id="104" name="文本框 103">
-                <a:extLst>
-                  <a:ext uri="{FF2B5EF4-FFF2-40B4-BE49-F238E27FC236}">
-                    <a16:creationId xmlns:a16="http://schemas.microsoft.com/office/drawing/2014/main" id="{EC2AC9C0-33F3-4643-86C1-311B95D12101}"/>
-                  </a:ext>
-                </a:extLst>
-              </p:cNvPr>
+              <p:cNvPr id="134" name="文本框 133"/>
               <p:cNvSpPr txBox="1"/>
               <p:nvPr/>
             </p:nvSpPr>
             <p:spPr>
               <a:xfrm>
-                <a:off x="7396031" y="4224088"/>
-                <a:ext cx="1121899" cy="461665"/>
+                <a:off x="7581350" y="4230447"/>
+                <a:ext cx="1102955" cy="276999"/>
               </a:xfrm>
               <a:prstGeom prst="rect">
                 <a:avLst/>
@@ -3354,329 +3087,18 @@
                 <a:pPr algn="ctr"/>
                 <a:r>
                   <a:rPr lang="en-US" altLang="zh-CN" sz="1200" b="1" dirty="0"/>
-                  <a:t>Poisoned Global Model</a:t>
+                  <a:t>Global Model</a:t>
                 </a:r>
               </a:p>
             </p:txBody>
           </p:sp>
         </p:grpSp>
-        <p:pic>
-          <p:nvPicPr>
-            <p:cNvPr id="105" name="图片 104" descr="病毒 (1)">
+        <p:grpSp>
+          <p:nvGrpSpPr>
+            <p:cNvPr id="4" name="组合 3">
               <a:extLst>
                 <a:ext uri="{FF2B5EF4-FFF2-40B4-BE49-F238E27FC236}">
-                  <a16:creationId xmlns:a16="http://schemas.microsoft.com/office/drawing/2014/main" id="{21291630-BAC6-41A8-95E5-B4230B1A2EF6}"/>
-                </a:ext>
-              </a:extLst>
-            </p:cNvPr>
-            <p:cNvPicPr>
-              <a:picLocks noChangeAspect="1"/>
-            </p:cNvPicPr>
-            <p:nvPr/>
-          </p:nvPicPr>
-          <p:blipFill>
-            <a:blip r:embed="rId4"/>
-            <a:stretch>
-              <a:fillRect/>
-            </a:stretch>
-          </p:blipFill>
-          <p:spPr>
-            <a:xfrm>
-              <a:off x="2821767" y="4096360"/>
-              <a:ext cx="360045" cy="360045"/>
-            </a:xfrm>
-            <a:prstGeom prst="rect">
-              <a:avLst/>
-            </a:prstGeom>
-          </p:spPr>
-        </p:pic>
-      </p:grpSp>
-      <p:grpSp>
-        <p:nvGrpSpPr>
-          <p:cNvPr id="118" name="组合 117">
-            <a:extLst>
-              <a:ext uri="{FF2B5EF4-FFF2-40B4-BE49-F238E27FC236}">
-                <a16:creationId xmlns:a16="http://schemas.microsoft.com/office/drawing/2014/main" id="{496155B3-8DC6-4700-AD45-CE0F9F47F906}"/>
-              </a:ext>
-            </a:extLst>
-          </p:cNvPr>
-          <p:cNvGrpSpPr/>
-          <p:nvPr/>
-        </p:nvGrpSpPr>
-        <p:grpSpPr>
-          <a:xfrm>
-            <a:off x="6129805" y="3305062"/>
-            <a:ext cx="945947" cy="889367"/>
-            <a:chOff x="6754914" y="2142173"/>
-            <a:chExt cx="945947" cy="889367"/>
-          </a:xfrm>
-        </p:grpSpPr>
-        <p:pic>
-          <p:nvPicPr>
-            <p:cNvPr id="128" name="图片 127" descr="服务器 server rack">
-              <a:extLst>
-                <a:ext uri="{FF2B5EF4-FFF2-40B4-BE49-F238E27FC236}">
-                  <a16:creationId xmlns:a16="http://schemas.microsoft.com/office/drawing/2014/main" id="{92421B17-9B36-45B9-9210-F77380C3691D}"/>
-                </a:ext>
-              </a:extLst>
-            </p:cNvPr>
-            <p:cNvPicPr>
-              <a:picLocks noChangeAspect="1"/>
-            </p:cNvPicPr>
-            <p:nvPr/>
-          </p:nvPicPr>
-          <p:blipFill>
-            <a:blip r:embed="rId6"/>
-            <a:stretch>
-              <a:fillRect/>
-            </a:stretch>
-          </p:blipFill>
-          <p:spPr>
-            <a:xfrm>
-              <a:off x="6867843" y="2142173"/>
-              <a:ext cx="720090" cy="720090"/>
-            </a:xfrm>
-            <a:prstGeom prst="rect">
-              <a:avLst/>
-            </a:prstGeom>
-          </p:spPr>
-        </p:pic>
-        <p:sp>
-          <p:nvSpPr>
-            <p:cNvPr id="129" name="文本框 128">
-              <a:extLst>
-                <a:ext uri="{FF2B5EF4-FFF2-40B4-BE49-F238E27FC236}">
-                  <a16:creationId xmlns:a16="http://schemas.microsoft.com/office/drawing/2014/main" id="{9F8611C7-E079-4458-BA20-EE0FA4F53D4B}"/>
-                </a:ext>
-              </a:extLst>
-            </p:cNvPr>
-            <p:cNvSpPr txBox="1"/>
-            <p:nvPr/>
-          </p:nvSpPr>
-          <p:spPr>
-            <a:xfrm>
-              <a:off x="6754914" y="2692986"/>
-              <a:ext cx="945947" cy="338554"/>
-            </a:xfrm>
-            <a:prstGeom prst="rect">
-              <a:avLst/>
-            </a:prstGeom>
-            <a:noFill/>
-          </p:spPr>
-          <p:txBody>
-            <a:bodyPr wrap="square" rtlCol="0">
-              <a:spAutoFit/>
-            </a:bodyPr>
-            <a:lstStyle/>
-            <a:p>
-              <a:pPr algn="ctr"/>
-              <a:r>
-                <a:rPr lang="en-US" altLang="zh-CN" sz="1600" b="1" i="1" dirty="0"/>
-                <a:t>FL Server</a:t>
-              </a:r>
-            </a:p>
-          </p:txBody>
-        </p:sp>
-      </p:grpSp>
-      <p:grpSp>
-        <p:nvGrpSpPr>
-          <p:cNvPr id="30" name="组合 29">
-            <a:extLst>
-              <a:ext uri="{FF2B5EF4-FFF2-40B4-BE49-F238E27FC236}">
-                <a16:creationId xmlns:a16="http://schemas.microsoft.com/office/drawing/2014/main" id="{DE44E831-F5C8-4B2F-82C7-92DD881C6B8C}"/>
-              </a:ext>
-            </a:extLst>
-          </p:cNvPr>
-          <p:cNvGrpSpPr/>
-          <p:nvPr/>
-        </p:nvGrpSpPr>
-        <p:grpSpPr>
-          <a:xfrm>
-            <a:off x="3845127" y="4014540"/>
-            <a:ext cx="836178" cy="1019674"/>
-            <a:chOff x="6466831" y="2510771"/>
-            <a:chExt cx="836178" cy="1019674"/>
-          </a:xfrm>
-        </p:grpSpPr>
-        <p:pic>
-          <p:nvPicPr>
-            <p:cNvPr id="132" name="图片 131" descr="数据下降">
-              <a:extLst>
-                <a:ext uri="{FF2B5EF4-FFF2-40B4-BE49-F238E27FC236}">
-                  <a16:creationId xmlns:a16="http://schemas.microsoft.com/office/drawing/2014/main" id="{8B2A225B-4C65-40FD-BF00-8F077F4BFF5F}"/>
-                </a:ext>
-              </a:extLst>
-            </p:cNvPr>
-            <p:cNvPicPr>
-              <a:picLocks noChangeAspect="1"/>
-            </p:cNvPicPr>
-            <p:nvPr/>
-          </p:nvPicPr>
-          <p:blipFill>
-            <a:blip r:embed="rId7"/>
-            <a:stretch>
-              <a:fillRect/>
-            </a:stretch>
-          </p:blipFill>
-          <p:spPr>
-            <a:xfrm>
-              <a:off x="6524920" y="2510771"/>
-              <a:ext cx="720000" cy="648000"/>
-            </a:xfrm>
-            <a:prstGeom prst="rect">
-              <a:avLst/>
-            </a:prstGeom>
-          </p:spPr>
-        </p:pic>
-        <p:sp>
-          <p:nvSpPr>
-            <p:cNvPr id="135" name="文本框 134">
-              <a:extLst>
-                <a:ext uri="{FF2B5EF4-FFF2-40B4-BE49-F238E27FC236}">
-                  <a16:creationId xmlns:a16="http://schemas.microsoft.com/office/drawing/2014/main" id="{EE0E68E3-377D-4AB8-B5B3-E8AEF4200171}"/>
-                </a:ext>
-              </a:extLst>
-            </p:cNvPr>
-            <p:cNvSpPr txBox="1"/>
-            <p:nvPr/>
-          </p:nvSpPr>
-          <p:spPr>
-            <a:xfrm>
-              <a:off x="6466831" y="3068780"/>
-              <a:ext cx="836178" cy="461665"/>
-            </a:xfrm>
-            <a:prstGeom prst="rect">
-              <a:avLst/>
-            </a:prstGeom>
-            <a:noFill/>
-          </p:spPr>
-          <p:txBody>
-            <a:bodyPr wrap="square" rtlCol="0">
-              <a:spAutoFit/>
-            </a:bodyPr>
-            <a:lstStyle/>
-            <a:p>
-              <a:pPr algn="ctr"/>
-              <a:r>
-                <a:rPr lang="en-US" altLang="zh-CN" sz="1200" b="1" dirty="0"/>
-                <a:t>Gradient Update</a:t>
-              </a:r>
-            </a:p>
-          </p:txBody>
-        </p:sp>
-      </p:grpSp>
-      <p:cxnSp>
-        <p:nvCxnSpPr>
-          <p:cNvPr id="137" name="直接箭头连接符 136">
-            <a:extLst>
-              <a:ext uri="{FF2B5EF4-FFF2-40B4-BE49-F238E27FC236}">
-                <a16:creationId xmlns:a16="http://schemas.microsoft.com/office/drawing/2014/main" id="{160AF9DE-CC45-448C-BA34-F379C67B9EE8}"/>
-              </a:ext>
-            </a:extLst>
-          </p:cNvPr>
-          <p:cNvCxnSpPr>
-            <a:cxnSpLocks/>
-            <a:stCxn id="113" idx="2"/>
-            <a:endCxn id="103" idx="0"/>
-          </p:cNvCxnSpPr>
-          <p:nvPr/>
-        </p:nvCxnSpPr>
-        <p:spPr>
-          <a:xfrm>
-            <a:off x="2840440" y="3746636"/>
-            <a:ext cx="1" cy="290397"/>
-          </a:xfrm>
-          <a:prstGeom prst="straightConnector1">
-            <a:avLst/>
-          </a:prstGeom>
-          <a:ln>
-            <a:tailEnd type="triangle"/>
-          </a:ln>
-        </p:spPr>
-        <p:style>
-          <a:lnRef idx="3">
-            <a:schemeClr val="dk1"/>
-          </a:lnRef>
-          <a:fillRef idx="0">
-            <a:schemeClr val="dk1"/>
-          </a:fillRef>
-          <a:effectRef idx="2">
-            <a:schemeClr val="dk1"/>
-          </a:effectRef>
-          <a:fontRef idx="minor">
-            <a:schemeClr val="tx1"/>
-          </a:fontRef>
-        </p:style>
-      </p:cxnSp>
-      <p:cxnSp>
-        <p:nvCxnSpPr>
-          <p:cNvPr id="140" name="直接箭头连接符 139">
-            <a:extLst>
-              <a:ext uri="{FF2B5EF4-FFF2-40B4-BE49-F238E27FC236}">
-                <a16:creationId xmlns:a16="http://schemas.microsoft.com/office/drawing/2014/main" id="{003CFCFA-1B30-49C2-B6C2-4FA0A86B92B5}"/>
-              </a:ext>
-            </a:extLst>
-          </p:cNvPr>
-          <p:cNvCxnSpPr>
-            <a:cxnSpLocks/>
-            <a:stCxn id="74" idx="1"/>
-            <a:endCxn id="71" idx="3"/>
-          </p:cNvCxnSpPr>
-          <p:nvPr/>
-        </p:nvCxnSpPr>
-        <p:spPr>
-          <a:xfrm flipH="1">
-            <a:off x="3194077" y="3013239"/>
-            <a:ext cx="786861" cy="12295"/>
-          </a:xfrm>
-          <a:prstGeom prst="straightConnector1">
-            <a:avLst/>
-          </a:prstGeom>
-          <a:ln>
-            <a:tailEnd type="triangle"/>
-          </a:ln>
-        </p:spPr>
-        <p:style>
-          <a:lnRef idx="3">
-            <a:schemeClr val="dk1"/>
-          </a:lnRef>
-          <a:fillRef idx="0">
-            <a:schemeClr val="dk1"/>
-          </a:fillRef>
-          <a:effectRef idx="2">
-            <a:schemeClr val="dk1"/>
-          </a:effectRef>
-          <a:fontRef idx="minor">
-            <a:schemeClr val="tx1"/>
-          </a:fontRef>
-        </p:style>
-      </p:cxnSp>
-      <p:grpSp>
-        <p:nvGrpSpPr>
-          <p:cNvPr id="88" name="组合 87">
-            <a:extLst>
-              <a:ext uri="{FF2B5EF4-FFF2-40B4-BE49-F238E27FC236}">
-                <a16:creationId xmlns:a16="http://schemas.microsoft.com/office/drawing/2014/main" id="{DC4CC238-1D3E-42E2-84C3-7AA62EE2CD92}"/>
-              </a:ext>
-            </a:extLst>
-          </p:cNvPr>
-          <p:cNvGrpSpPr/>
-          <p:nvPr/>
-        </p:nvGrpSpPr>
-        <p:grpSpPr>
-          <a:xfrm>
-            <a:off x="4554486" y="3476562"/>
-            <a:ext cx="1704109" cy="728986"/>
-            <a:chOff x="4746567" y="1589839"/>
-            <a:chExt cx="1704109" cy="728986"/>
-          </a:xfrm>
-        </p:grpSpPr>
-        <p:grpSp>
-          <p:nvGrpSpPr>
-            <p:cNvPr id="87" name="组合 86">
-              <a:extLst>
-                <a:ext uri="{FF2B5EF4-FFF2-40B4-BE49-F238E27FC236}">
-                  <a16:creationId xmlns:a16="http://schemas.microsoft.com/office/drawing/2014/main" id="{0AECDB6A-3DBE-4ECC-9FB5-039A8A98186C}"/>
+                  <a16:creationId xmlns:a16="http://schemas.microsoft.com/office/drawing/2014/main" id="{7B0E9611-6E2E-4402-BE41-33F0618616CE}"/>
                 </a:ext>
               </a:extLst>
             </p:cNvPr>
@@ -3685,71 +3107,423 @@
           </p:nvGrpSpPr>
           <p:grpSpPr>
             <a:xfrm>
-              <a:off x="4746567" y="1589839"/>
-              <a:ext cx="1704109" cy="550802"/>
-              <a:chOff x="3557847" y="854964"/>
-              <a:chExt cx="1704109" cy="550802"/>
+              <a:off x="2203544" y="2657674"/>
+              <a:ext cx="1395057" cy="830003"/>
+              <a:chOff x="3428337" y="4084320"/>
+              <a:chExt cx="1395057" cy="830003"/>
             </a:xfrm>
           </p:grpSpPr>
+          <p:pic>
+            <p:nvPicPr>
+              <p:cNvPr id="71" name="图片 70" descr="数据 (2)"/>
+              <p:cNvPicPr>
+                <a:picLocks noChangeAspect="1"/>
+              </p:cNvPicPr>
+              <p:nvPr/>
+            </p:nvPicPr>
+            <p:blipFill>
+              <a:blip r:embed="rId3"/>
+              <a:stretch>
+                <a:fillRect/>
+              </a:stretch>
+            </p:blipFill>
+            <p:spPr>
+              <a:xfrm>
+                <a:off x="3753485" y="4084320"/>
+                <a:ext cx="720090" cy="720090"/>
+              </a:xfrm>
+              <a:prstGeom prst="rect">
+                <a:avLst/>
+              </a:prstGeom>
+            </p:spPr>
+          </p:pic>
           <p:sp>
             <p:nvSpPr>
-              <p:cNvPr id="141" name="云形 140">
-                <a:extLst>
-                  <a:ext uri="{FF2B5EF4-FFF2-40B4-BE49-F238E27FC236}">
-                    <a16:creationId xmlns:a16="http://schemas.microsoft.com/office/drawing/2014/main" id="{2368CAF7-C8C4-43F5-A84D-515135ACF451}"/>
-                  </a:ext>
-                </a:extLst>
-              </p:cNvPr>
-              <p:cNvSpPr/>
+              <p:cNvPr id="113" name="文本框 112"/>
+              <p:cNvSpPr txBox="1"/>
               <p:nvPr/>
             </p:nvSpPr>
             <p:spPr>
               <a:xfrm>
-                <a:off x="3557847" y="854964"/>
-                <a:ext cx="1704109" cy="550802"/>
+                <a:off x="3428337" y="4637324"/>
+                <a:ext cx="1395057" cy="276999"/>
               </a:xfrm>
-              <a:prstGeom prst="cloud">
+              <a:prstGeom prst="rect">
                 <a:avLst/>
               </a:prstGeom>
-              <a:solidFill>
-                <a:schemeClr val="accent1">
-                  <a:lumMod val="20000"/>
-                  <a:lumOff val="80000"/>
-                </a:schemeClr>
-              </a:solidFill>
-              <a:ln>
-                <a:noFill/>
-              </a:ln>
+              <a:noFill/>
             </p:spPr>
-            <p:style>
-              <a:lnRef idx="2">
-                <a:schemeClr val="accent6"/>
-              </a:lnRef>
-              <a:fillRef idx="1">
-                <a:schemeClr val="lt1"/>
-              </a:fillRef>
-              <a:effectRef idx="0">
-                <a:schemeClr val="accent6"/>
-              </a:effectRef>
-              <a:fontRef idx="minor">
-                <a:schemeClr val="dk1"/>
-              </a:fontRef>
-            </p:style>
             <p:txBody>
-              <a:bodyPr rtlCol="0" anchor="ctr"/>
+              <a:bodyPr wrap="square" rtlCol="0">
+                <a:spAutoFit/>
+              </a:bodyPr>
               <a:lstStyle/>
               <a:p>
                 <a:pPr algn="ctr"/>
-                <a:endParaRPr lang="zh-CN" altLang="en-US"/>
+                <a:r>
+                  <a:rPr lang="en-US" altLang="zh-CN" sz="1200" b="1" dirty="0"/>
+                  <a:t>Poisoned Dataset</a:t>
+                </a:r>
               </a:p>
             </p:txBody>
           </p:sp>
           <p:pic>
             <p:nvPicPr>
-              <p:cNvPr id="142" name="图片 141" descr="数据下降">
+              <p:cNvPr id="73" name="图片 72" descr="病毒 (1)"/>
+              <p:cNvPicPr>
+                <a:picLocks noChangeAspect="1"/>
+              </p:cNvPicPr>
+              <p:nvPr/>
+            </p:nvPicPr>
+            <p:blipFill>
+              <a:blip r:embed="rId4"/>
+              <a:stretch>
+                <a:fillRect/>
+              </a:stretch>
+            </p:blipFill>
+            <p:spPr>
+              <a:xfrm>
+                <a:off x="4147174" y="4341461"/>
+                <a:ext cx="360045" cy="360045"/>
+              </a:xfrm>
+              <a:prstGeom prst="rect">
+                <a:avLst/>
+              </a:prstGeom>
+            </p:spPr>
+          </p:pic>
+        </p:grpSp>
+        <p:grpSp>
+          <p:nvGrpSpPr>
+            <p:cNvPr id="2" name="组合 1">
+              <a:extLst>
+                <a:ext uri="{FF2B5EF4-FFF2-40B4-BE49-F238E27FC236}">
+                  <a16:creationId xmlns:a16="http://schemas.microsoft.com/office/drawing/2014/main" id="{FE05EDA2-74CC-4A7A-A62E-140DA5E6EFA3}"/>
+                </a:ext>
+              </a:extLst>
+            </p:cNvPr>
+            <p:cNvGrpSpPr/>
+            <p:nvPr/>
+          </p:nvGrpSpPr>
+          <p:grpSpPr>
+            <a:xfrm>
+              <a:off x="2444491" y="1901888"/>
+              <a:ext cx="906113" cy="866874"/>
+              <a:chOff x="2055828" y="4084320"/>
+              <a:chExt cx="906113" cy="866874"/>
+            </a:xfrm>
+          </p:grpSpPr>
+          <p:pic>
+            <p:nvPicPr>
+              <p:cNvPr id="9" name="图片 8" descr="用户 (1)"/>
+              <p:cNvPicPr>
+                <a:picLocks noChangeAspect="1"/>
+              </p:cNvPicPr>
+              <p:nvPr/>
+            </p:nvPicPr>
+            <p:blipFill>
+              <a:blip r:embed="rId5"/>
+              <a:stretch>
+                <a:fillRect/>
+              </a:stretch>
+            </p:blipFill>
+            <p:spPr>
+              <a:xfrm flipH="1">
+                <a:off x="2141220" y="4084320"/>
+                <a:ext cx="735330" cy="720090"/>
+              </a:xfrm>
+              <a:prstGeom prst="rect">
+                <a:avLst/>
+              </a:prstGeom>
+            </p:spPr>
+          </p:pic>
+          <p:sp>
+            <p:nvSpPr>
+              <p:cNvPr id="93" name="文本框 92">
                 <a:extLst>
                   <a:ext uri="{FF2B5EF4-FFF2-40B4-BE49-F238E27FC236}">
-                    <a16:creationId xmlns:a16="http://schemas.microsoft.com/office/drawing/2014/main" id="{EE899CDA-935B-4393-9F10-4F3C7628CB53}"/>
+                    <a16:creationId xmlns:a16="http://schemas.microsoft.com/office/drawing/2014/main" id="{6A624DD8-361E-4F1C-AC7B-B4A620C8D8B9}"/>
+                  </a:ext>
+                </a:extLst>
+              </p:cNvPr>
+              <p:cNvSpPr txBox="1"/>
+              <p:nvPr/>
+            </p:nvSpPr>
+            <p:spPr>
+              <a:xfrm>
+                <a:off x="2055828" y="4612640"/>
+                <a:ext cx="906113" cy="338554"/>
+              </a:xfrm>
+              <a:prstGeom prst="rect">
+                <a:avLst/>
+              </a:prstGeom>
+              <a:noFill/>
+            </p:spPr>
+            <p:txBody>
+              <a:bodyPr wrap="square" rtlCol="0">
+                <a:spAutoFit/>
+              </a:bodyPr>
+              <a:lstStyle/>
+              <a:p>
+                <a:pPr algn="ctr"/>
+                <a:r>
+                  <a:rPr lang="en-US" altLang="zh-CN" sz="1600" b="1" i="1" dirty="0"/>
+                  <a:t>FL Client</a:t>
+                </a:r>
+              </a:p>
+            </p:txBody>
+          </p:sp>
+        </p:grpSp>
+        <p:grpSp>
+          <p:nvGrpSpPr>
+            <p:cNvPr id="21" name="组合 20">
+              <a:extLst>
+                <a:ext uri="{FF2B5EF4-FFF2-40B4-BE49-F238E27FC236}">
+                  <a16:creationId xmlns:a16="http://schemas.microsoft.com/office/drawing/2014/main" id="{02A24C02-63F3-4474-92E8-44B507AD397C}"/>
+                </a:ext>
+              </a:extLst>
+            </p:cNvPr>
+            <p:cNvGrpSpPr/>
+            <p:nvPr/>
+          </p:nvGrpSpPr>
+          <p:grpSpPr>
+            <a:xfrm>
+              <a:off x="2247096" y="4463691"/>
+              <a:ext cx="1273908" cy="801720"/>
+              <a:chOff x="2140217" y="3844591"/>
+              <a:chExt cx="1273908" cy="801720"/>
+            </a:xfrm>
+          </p:grpSpPr>
+          <p:grpSp>
+            <p:nvGrpSpPr>
+              <p:cNvPr id="102" name="组合 101">
+                <a:extLst>
+                  <a:ext uri="{FF2B5EF4-FFF2-40B4-BE49-F238E27FC236}">
+                    <a16:creationId xmlns:a16="http://schemas.microsoft.com/office/drawing/2014/main" id="{C58481CD-A263-41FC-A97C-15C1CE00BDF6}"/>
+                  </a:ext>
+                </a:extLst>
+              </p:cNvPr>
+              <p:cNvGrpSpPr/>
+              <p:nvPr/>
+            </p:nvGrpSpPr>
+            <p:grpSpPr>
+              <a:xfrm>
+                <a:off x="2140217" y="3844591"/>
+                <a:ext cx="1273908" cy="801720"/>
+                <a:chOff x="7302666" y="3737852"/>
+                <a:chExt cx="1273908" cy="801720"/>
+              </a:xfrm>
+            </p:grpSpPr>
+            <p:pic>
+              <p:nvPicPr>
+                <p:cNvPr id="103" name="图片 102" descr="人工智能">
+                  <a:extLst>
+                    <a:ext uri="{FF2B5EF4-FFF2-40B4-BE49-F238E27FC236}">
+                      <a16:creationId xmlns:a16="http://schemas.microsoft.com/office/drawing/2014/main" id="{44FE7E78-0388-4E2B-AA03-4C5C9F0E7B3C}"/>
+                    </a:ext>
+                  </a:extLst>
+                </p:cNvPr>
+                <p:cNvPicPr>
+                  <a:picLocks noChangeAspect="1"/>
+                </p:cNvPicPr>
+                <p:nvPr/>
+              </p:nvPicPr>
+              <p:blipFill>
+                <a:blip r:embed="rId2"/>
+                <a:stretch>
+                  <a:fillRect/>
+                </a:stretch>
+              </p:blipFill>
+              <p:spPr>
+                <a:xfrm>
+                  <a:off x="7650981" y="3737852"/>
+                  <a:ext cx="612000" cy="612000"/>
+                </a:xfrm>
+                <a:prstGeom prst="rect">
+                  <a:avLst/>
+                </a:prstGeom>
+              </p:spPr>
+            </p:pic>
+            <p:sp>
+              <p:nvSpPr>
+                <p:cNvPr id="104" name="文本框 103">
+                  <a:extLst>
+                    <a:ext uri="{FF2B5EF4-FFF2-40B4-BE49-F238E27FC236}">
+                      <a16:creationId xmlns:a16="http://schemas.microsoft.com/office/drawing/2014/main" id="{EC2AC9C0-33F3-4643-86C1-311B95D12101}"/>
+                    </a:ext>
+                  </a:extLst>
+                </p:cNvPr>
+                <p:cNvSpPr txBox="1"/>
+                <p:nvPr/>
+              </p:nvSpPr>
+              <p:spPr>
+                <a:xfrm>
+                  <a:off x="7302666" y="4262573"/>
+                  <a:ext cx="1273908" cy="276999"/>
+                </a:xfrm>
+                <a:prstGeom prst="rect">
+                  <a:avLst/>
+                </a:prstGeom>
+                <a:noFill/>
+              </p:spPr>
+              <p:txBody>
+                <a:bodyPr wrap="square" rtlCol="0">
+                  <a:spAutoFit/>
+                </a:bodyPr>
+                <a:lstStyle/>
+                <a:p>
+                  <a:pPr algn="ctr"/>
+                  <a:r>
+                    <a:rPr lang="en-US" altLang="zh-CN" sz="1200" b="1" dirty="0"/>
+                    <a:t>Poisoned Model</a:t>
+                  </a:r>
+                </a:p>
+              </p:txBody>
+            </p:sp>
+          </p:grpSp>
+          <p:pic>
+            <p:nvPicPr>
+              <p:cNvPr id="105" name="图片 104" descr="病毒 (1)">
+                <a:extLst>
+                  <a:ext uri="{FF2B5EF4-FFF2-40B4-BE49-F238E27FC236}">
+                    <a16:creationId xmlns:a16="http://schemas.microsoft.com/office/drawing/2014/main" id="{21291630-BAC6-41A8-95E5-B4230B1A2EF6}"/>
+                  </a:ext>
+                </a:extLst>
+              </p:cNvPr>
+              <p:cNvPicPr>
+                <a:picLocks noChangeAspect="1"/>
+              </p:cNvPicPr>
+              <p:nvPr/>
+            </p:nvPicPr>
+            <p:blipFill>
+              <a:blip r:embed="rId4"/>
+              <a:stretch>
+                <a:fillRect/>
+              </a:stretch>
+            </p:blipFill>
+            <p:spPr>
+              <a:xfrm>
+                <a:off x="2821767" y="4096360"/>
+                <a:ext cx="360045" cy="360045"/>
+              </a:xfrm>
+              <a:prstGeom prst="rect">
+                <a:avLst/>
+              </a:prstGeom>
+            </p:spPr>
+          </p:pic>
+        </p:grpSp>
+        <p:grpSp>
+          <p:nvGrpSpPr>
+            <p:cNvPr id="118" name="组合 117">
+              <a:extLst>
+                <a:ext uri="{FF2B5EF4-FFF2-40B4-BE49-F238E27FC236}">
+                  <a16:creationId xmlns:a16="http://schemas.microsoft.com/office/drawing/2014/main" id="{496155B3-8DC6-4700-AD45-CE0F9F47F906}"/>
+                </a:ext>
+              </a:extLst>
+            </p:cNvPr>
+            <p:cNvGrpSpPr/>
+            <p:nvPr/>
+          </p:nvGrpSpPr>
+          <p:grpSpPr>
+            <a:xfrm>
+              <a:off x="3987591" y="1907062"/>
+              <a:ext cx="945947" cy="889367"/>
+              <a:chOff x="6754914" y="2142173"/>
+              <a:chExt cx="945947" cy="889367"/>
+            </a:xfrm>
+          </p:grpSpPr>
+          <p:pic>
+            <p:nvPicPr>
+              <p:cNvPr id="128" name="图片 127" descr="服务器 server rack">
+                <a:extLst>
+                  <a:ext uri="{FF2B5EF4-FFF2-40B4-BE49-F238E27FC236}">
+                    <a16:creationId xmlns:a16="http://schemas.microsoft.com/office/drawing/2014/main" id="{92421B17-9B36-45B9-9210-F77380C3691D}"/>
+                  </a:ext>
+                </a:extLst>
+              </p:cNvPr>
+              <p:cNvPicPr>
+                <a:picLocks noChangeAspect="1"/>
+              </p:cNvPicPr>
+              <p:nvPr/>
+            </p:nvPicPr>
+            <p:blipFill>
+              <a:blip r:embed="rId6"/>
+              <a:stretch>
+                <a:fillRect/>
+              </a:stretch>
+            </p:blipFill>
+            <p:spPr>
+              <a:xfrm>
+                <a:off x="6867843" y="2142173"/>
+                <a:ext cx="720090" cy="720090"/>
+              </a:xfrm>
+              <a:prstGeom prst="rect">
+                <a:avLst/>
+              </a:prstGeom>
+            </p:spPr>
+          </p:pic>
+          <p:sp>
+            <p:nvSpPr>
+              <p:cNvPr id="129" name="文本框 128">
+                <a:extLst>
+                  <a:ext uri="{FF2B5EF4-FFF2-40B4-BE49-F238E27FC236}">
+                    <a16:creationId xmlns:a16="http://schemas.microsoft.com/office/drawing/2014/main" id="{9F8611C7-E079-4458-BA20-EE0FA4F53D4B}"/>
+                  </a:ext>
+                </a:extLst>
+              </p:cNvPr>
+              <p:cNvSpPr txBox="1"/>
+              <p:nvPr/>
+            </p:nvSpPr>
+            <p:spPr>
+              <a:xfrm>
+                <a:off x="6754914" y="2692986"/>
+                <a:ext cx="945947" cy="338554"/>
+              </a:xfrm>
+              <a:prstGeom prst="rect">
+                <a:avLst/>
+              </a:prstGeom>
+              <a:noFill/>
+            </p:spPr>
+            <p:txBody>
+              <a:bodyPr wrap="square" rtlCol="0">
+                <a:spAutoFit/>
+              </a:bodyPr>
+              <a:lstStyle/>
+              <a:p>
+                <a:pPr algn="ctr"/>
+                <a:r>
+                  <a:rPr lang="en-US" altLang="zh-CN" sz="1600" b="1" i="1" dirty="0"/>
+                  <a:t>FL Server</a:t>
+                </a:r>
+              </a:p>
+            </p:txBody>
+          </p:sp>
+        </p:grpSp>
+        <p:grpSp>
+          <p:nvGrpSpPr>
+            <p:cNvPr id="30" name="组合 29">
+              <a:extLst>
+                <a:ext uri="{FF2B5EF4-FFF2-40B4-BE49-F238E27FC236}">
+                  <a16:creationId xmlns:a16="http://schemas.microsoft.com/office/drawing/2014/main" id="{DE44E831-F5C8-4B2F-82C7-92DD881C6B8C}"/>
+                </a:ext>
+              </a:extLst>
+            </p:cNvPr>
+            <p:cNvGrpSpPr/>
+            <p:nvPr/>
+          </p:nvGrpSpPr>
+          <p:grpSpPr>
+            <a:xfrm>
+              <a:off x="3849900" y="4440246"/>
+              <a:ext cx="1240986" cy="821063"/>
+              <a:chOff x="6264427" y="2510771"/>
+              <a:chExt cx="1240986" cy="821063"/>
+            </a:xfrm>
+          </p:grpSpPr>
+          <p:pic>
+            <p:nvPicPr>
+              <p:cNvPr id="132" name="图片 131" descr="数据下降">
+                <a:extLst>
+                  <a:ext uri="{FF2B5EF4-FFF2-40B4-BE49-F238E27FC236}">
+                    <a16:creationId xmlns:a16="http://schemas.microsoft.com/office/drawing/2014/main" id="{8B2A225B-4C65-40FD-BF00-8F077F4BFF5F}"/>
                   </a:ext>
                 </a:extLst>
               </p:cNvPr>
@@ -3766,68 +3540,8 @@
             </p:blipFill>
             <p:spPr>
               <a:xfrm>
-                <a:off x="3703216" y="891498"/>
-                <a:ext cx="400000" cy="360000"/>
-              </a:xfrm>
-              <a:prstGeom prst="rect">
-                <a:avLst/>
-              </a:prstGeom>
-            </p:spPr>
-          </p:pic>
-          <p:pic>
-            <p:nvPicPr>
-              <p:cNvPr id="144" name="图片 143" descr="数据下降">
-                <a:extLst>
-                  <a:ext uri="{FF2B5EF4-FFF2-40B4-BE49-F238E27FC236}">
-                    <a16:creationId xmlns:a16="http://schemas.microsoft.com/office/drawing/2014/main" id="{144E535C-EB73-49EC-8D96-4F3BAF2AFA34}"/>
-                  </a:ext>
-                </a:extLst>
-              </p:cNvPr>
-              <p:cNvPicPr>
-                <a:picLocks noChangeAspect="1"/>
-              </p:cNvPicPr>
-              <p:nvPr/>
-            </p:nvPicPr>
-            <p:blipFill>
-              <a:blip r:embed="rId7"/>
-              <a:stretch>
-                <a:fillRect/>
-              </a:stretch>
-            </p:blipFill>
-            <p:spPr>
-              <a:xfrm>
-                <a:off x="4139128" y="887872"/>
-                <a:ext cx="400000" cy="360000"/>
-              </a:xfrm>
-              <a:prstGeom prst="rect">
-                <a:avLst/>
-              </a:prstGeom>
-            </p:spPr>
-          </p:pic>
-          <p:pic>
-            <p:nvPicPr>
-              <p:cNvPr id="145" name="图片 144" descr="数据下降">
-                <a:extLst>
-                  <a:ext uri="{FF2B5EF4-FFF2-40B4-BE49-F238E27FC236}">
-                    <a16:creationId xmlns:a16="http://schemas.microsoft.com/office/drawing/2014/main" id="{4BADF3FA-EA50-4CFA-8802-78D152C251EB}"/>
-                  </a:ext>
-                </a:extLst>
-              </p:cNvPr>
-              <p:cNvPicPr>
-                <a:picLocks noChangeAspect="1"/>
-              </p:cNvPicPr>
-              <p:nvPr/>
-            </p:nvPicPr>
-            <p:blipFill>
-              <a:blip r:embed="rId7"/>
-              <a:stretch>
-                <a:fillRect/>
-              </a:stretch>
-            </p:blipFill>
-            <p:spPr>
-              <a:xfrm>
-                <a:off x="4749941" y="887872"/>
-                <a:ext cx="400000" cy="360000"/>
+                <a:off x="6524920" y="2510771"/>
+                <a:ext cx="720000" cy="648000"/>
               </a:xfrm>
               <a:prstGeom prst="rect">
                 <a:avLst/>
@@ -3836,10 +3550,10 @@
           </p:pic>
           <p:sp>
             <p:nvSpPr>
-              <p:cNvPr id="85" name="文本框 84">
+              <p:cNvPr id="135" name="文本框 134">
                 <a:extLst>
                   <a:ext uri="{FF2B5EF4-FFF2-40B4-BE49-F238E27FC236}">
-                    <a16:creationId xmlns:a16="http://schemas.microsoft.com/office/drawing/2014/main" id="{909EF411-A909-4E47-9762-8BED9E8E8ED4}"/>
+                    <a16:creationId xmlns:a16="http://schemas.microsoft.com/office/drawing/2014/main" id="{EE0E68E3-377D-4AB8-B5B3-E8AEF4200171}"/>
                   </a:ext>
                 </a:extLst>
               </p:cNvPr>
@@ -3848,8 +3562,8 @@
             </p:nvSpPr>
             <p:spPr>
               <a:xfrm>
-                <a:off x="3992294" y="989889"/>
-                <a:ext cx="239135" cy="246221"/>
+                <a:off x="6264427" y="3054835"/>
+                <a:ext cx="1240986" cy="276999"/>
               </a:xfrm>
               <a:prstGeom prst="rect">
                 <a:avLst/>
@@ -3864,19 +3578,296 @@
               <a:p>
                 <a:pPr algn="ctr"/>
                 <a:r>
-                  <a:rPr lang="en-US" altLang="zh-CN" sz="1000" b="1" dirty="0"/>
-                  <a:t>+</a:t>
+                  <a:rPr lang="en-US" altLang="zh-CN" sz="1200" b="1" dirty="0"/>
+                  <a:t>Gradient Update</a:t>
                 </a:r>
-                <a:endParaRPr lang="zh-CN" altLang="en-US" sz="1000" b="1" dirty="0"/>
               </a:p>
             </p:txBody>
           </p:sp>
+        </p:grpSp>
+        <p:cxnSp>
+          <p:nvCxnSpPr>
+            <p:cNvPr id="137" name="直接箭头连接符 136">
+              <a:extLst>
+                <a:ext uri="{FF2B5EF4-FFF2-40B4-BE49-F238E27FC236}">
+                  <a16:creationId xmlns:a16="http://schemas.microsoft.com/office/drawing/2014/main" id="{160AF9DE-CC45-448C-BA34-F379C67B9EE8}"/>
+                </a:ext>
+              </a:extLst>
+            </p:cNvPr>
+            <p:cNvCxnSpPr>
+              <a:cxnSpLocks/>
+              <a:stCxn id="113" idx="2"/>
+              <a:endCxn id="103" idx="0"/>
+            </p:cNvCxnSpPr>
+            <p:nvPr/>
+          </p:nvCxnSpPr>
+          <p:spPr>
+            <a:xfrm>
+              <a:off x="2901073" y="3487677"/>
+              <a:ext cx="338" cy="976014"/>
+            </a:xfrm>
+            <a:prstGeom prst="straightConnector1">
+              <a:avLst/>
+            </a:prstGeom>
+            <a:ln>
+              <a:tailEnd type="triangle"/>
+            </a:ln>
+          </p:spPr>
+          <p:style>
+            <a:lnRef idx="3">
+              <a:schemeClr val="dk1"/>
+            </a:lnRef>
+            <a:fillRef idx="0">
+              <a:schemeClr val="dk1"/>
+            </a:fillRef>
+            <a:effectRef idx="2">
+              <a:schemeClr val="dk1"/>
+            </a:effectRef>
+            <a:fontRef idx="minor">
+              <a:schemeClr val="tx1"/>
+            </a:fontRef>
+          </p:style>
+        </p:cxnSp>
+        <p:cxnSp>
+          <p:nvCxnSpPr>
+            <p:cNvPr id="140" name="直接箭头连接符 139">
+              <a:extLst>
+                <a:ext uri="{FF2B5EF4-FFF2-40B4-BE49-F238E27FC236}">
+                  <a16:creationId xmlns:a16="http://schemas.microsoft.com/office/drawing/2014/main" id="{003CFCFA-1B30-49C2-B6C2-4FA0A86B92B5}"/>
+                </a:ext>
+              </a:extLst>
+            </p:cNvPr>
+            <p:cNvCxnSpPr>
+              <a:cxnSpLocks/>
+              <a:stCxn id="74" idx="1"/>
+              <a:endCxn id="71" idx="3"/>
+            </p:cNvCxnSpPr>
+            <p:nvPr/>
+          </p:nvCxnSpPr>
+          <p:spPr>
+            <a:xfrm flipH="1">
+              <a:off x="3248782" y="3016143"/>
+              <a:ext cx="924531" cy="1576"/>
+            </a:xfrm>
+            <a:prstGeom prst="straightConnector1">
+              <a:avLst/>
+            </a:prstGeom>
+            <a:ln>
+              <a:tailEnd type="triangle"/>
+            </a:ln>
+          </p:spPr>
+          <p:style>
+            <a:lnRef idx="3">
+              <a:schemeClr val="dk1"/>
+            </a:lnRef>
+            <a:fillRef idx="0">
+              <a:schemeClr val="dk1"/>
+            </a:fillRef>
+            <a:effectRef idx="2">
+              <a:schemeClr val="dk1"/>
+            </a:effectRef>
+            <a:fontRef idx="minor">
+              <a:schemeClr val="tx1"/>
+            </a:fontRef>
+          </p:style>
+        </p:cxnSp>
+        <p:grpSp>
+          <p:nvGrpSpPr>
+            <p:cNvPr id="88" name="组合 87">
+              <a:extLst>
+                <a:ext uri="{FF2B5EF4-FFF2-40B4-BE49-F238E27FC236}">
+                  <a16:creationId xmlns:a16="http://schemas.microsoft.com/office/drawing/2014/main" id="{DC4CC238-1D3E-42E2-84C3-7AA62EE2CD92}"/>
+                </a:ext>
+              </a:extLst>
+            </p:cNvPr>
+            <p:cNvGrpSpPr/>
+            <p:nvPr/>
+          </p:nvGrpSpPr>
+          <p:grpSpPr>
+            <a:xfrm>
+              <a:off x="3651916" y="3700851"/>
+              <a:ext cx="1641374" cy="552399"/>
+              <a:chOff x="4591673" y="1589839"/>
+              <a:chExt cx="1641374" cy="552399"/>
+            </a:xfrm>
+          </p:grpSpPr>
+          <p:grpSp>
+            <p:nvGrpSpPr>
+              <p:cNvPr id="87" name="组合 86">
+                <a:extLst>
+                  <a:ext uri="{FF2B5EF4-FFF2-40B4-BE49-F238E27FC236}">
+                    <a16:creationId xmlns:a16="http://schemas.microsoft.com/office/drawing/2014/main" id="{0AECDB6A-3DBE-4ECC-9FB5-039A8A98186C}"/>
+                  </a:ext>
+                </a:extLst>
+              </p:cNvPr>
+              <p:cNvGrpSpPr/>
+              <p:nvPr/>
+            </p:nvGrpSpPr>
+            <p:grpSpPr>
+              <a:xfrm>
+                <a:off x="4746568" y="1589839"/>
+                <a:ext cx="1307508" cy="550802"/>
+                <a:chOff x="3557848" y="854964"/>
+                <a:chExt cx="1307508" cy="550802"/>
+              </a:xfrm>
+            </p:grpSpPr>
+            <p:sp>
+              <p:nvSpPr>
+                <p:cNvPr id="141" name="云形 140">
+                  <a:extLst>
+                    <a:ext uri="{FF2B5EF4-FFF2-40B4-BE49-F238E27FC236}">
+                      <a16:creationId xmlns:a16="http://schemas.microsoft.com/office/drawing/2014/main" id="{2368CAF7-C8C4-43F5-A84D-515135ACF451}"/>
+                    </a:ext>
+                  </a:extLst>
+                </p:cNvPr>
+                <p:cNvSpPr/>
+                <p:nvPr/>
+              </p:nvSpPr>
+              <p:spPr>
+                <a:xfrm>
+                  <a:off x="3557848" y="854964"/>
+                  <a:ext cx="1307508" cy="550802"/>
+                </a:xfrm>
+                <a:prstGeom prst="cloud">
+                  <a:avLst/>
+                </a:prstGeom>
+                <a:solidFill>
+                  <a:schemeClr val="accent1">
+                    <a:lumMod val="20000"/>
+                    <a:lumOff val="80000"/>
+                  </a:schemeClr>
+                </a:solidFill>
+                <a:ln>
+                  <a:noFill/>
+                </a:ln>
+              </p:spPr>
+              <p:style>
+                <a:lnRef idx="2">
+                  <a:schemeClr val="accent6"/>
+                </a:lnRef>
+                <a:fillRef idx="1">
+                  <a:schemeClr val="lt1"/>
+                </a:fillRef>
+                <a:effectRef idx="0">
+                  <a:schemeClr val="accent6"/>
+                </a:effectRef>
+                <a:fontRef idx="minor">
+                  <a:schemeClr val="dk1"/>
+                </a:fontRef>
+              </p:style>
+              <p:txBody>
+                <a:bodyPr rtlCol="0" anchor="ctr"/>
+                <a:lstStyle/>
+                <a:p>
+                  <a:pPr algn="ctr"/>
+                  <a:endParaRPr lang="zh-CN" altLang="en-US"/>
+                </a:p>
+              </p:txBody>
+            </p:sp>
+            <p:pic>
+              <p:nvPicPr>
+                <p:cNvPr id="142" name="图片 141" descr="数据下降">
+                  <a:extLst>
+                    <a:ext uri="{FF2B5EF4-FFF2-40B4-BE49-F238E27FC236}">
+                      <a16:creationId xmlns:a16="http://schemas.microsoft.com/office/drawing/2014/main" id="{EE899CDA-935B-4393-9F10-4F3C7628CB53}"/>
+                    </a:ext>
+                  </a:extLst>
+                </p:cNvPr>
+                <p:cNvPicPr>
+                  <a:picLocks noChangeAspect="1"/>
+                </p:cNvPicPr>
+                <p:nvPr/>
+              </p:nvPicPr>
+              <p:blipFill>
+                <a:blip r:embed="rId7"/>
+                <a:stretch>
+                  <a:fillRect/>
+                </a:stretch>
+              </p:blipFill>
+              <p:spPr>
+                <a:xfrm>
+                  <a:off x="3703216" y="891498"/>
+                  <a:ext cx="400000" cy="360000"/>
+                </a:xfrm>
+                <a:prstGeom prst="rect">
+                  <a:avLst/>
+                </a:prstGeom>
+              </p:spPr>
+            </p:pic>
+            <p:pic>
+              <p:nvPicPr>
+                <p:cNvPr id="145" name="图片 144" descr="数据下降">
+                  <a:extLst>
+                    <a:ext uri="{FF2B5EF4-FFF2-40B4-BE49-F238E27FC236}">
+                      <a16:creationId xmlns:a16="http://schemas.microsoft.com/office/drawing/2014/main" id="{4BADF3FA-EA50-4CFA-8802-78D152C251EB}"/>
+                    </a:ext>
+                  </a:extLst>
+                </p:cNvPr>
+                <p:cNvPicPr>
+                  <a:picLocks noChangeAspect="1"/>
+                </p:cNvPicPr>
+                <p:nvPr/>
+              </p:nvPicPr>
+              <p:blipFill>
+                <a:blip r:embed="rId7"/>
+                <a:stretch>
+                  <a:fillRect/>
+                </a:stretch>
+              </p:blipFill>
+              <p:spPr>
+                <a:xfrm>
+                  <a:off x="4316484" y="893381"/>
+                  <a:ext cx="400000" cy="360000"/>
+                </a:xfrm>
+                <a:prstGeom prst="rect">
+                  <a:avLst/>
+                </a:prstGeom>
+              </p:spPr>
+            </p:pic>
+            <p:sp>
+              <p:nvSpPr>
+                <p:cNvPr id="146" name="文本框 145">
+                  <a:extLst>
+                    <a:ext uri="{FF2B5EF4-FFF2-40B4-BE49-F238E27FC236}">
+                      <a16:creationId xmlns:a16="http://schemas.microsoft.com/office/drawing/2014/main" id="{F2CCE7BF-655D-472F-ABEF-C26CEB8074CA}"/>
+                    </a:ext>
+                  </a:extLst>
+                </p:cNvPr>
+                <p:cNvSpPr txBox="1"/>
+                <p:nvPr/>
+              </p:nvSpPr>
+              <p:spPr>
+                <a:xfrm>
+                  <a:off x="4013401" y="997355"/>
+                  <a:ext cx="420478" cy="246221"/>
+                </a:xfrm>
+                <a:prstGeom prst="rect">
+                  <a:avLst/>
+                </a:prstGeom>
+                <a:noFill/>
+              </p:spPr>
+              <p:txBody>
+                <a:bodyPr wrap="square" rtlCol="0">
+                  <a:spAutoFit/>
+                </a:bodyPr>
+                <a:lstStyle/>
+                <a:p>
+                  <a:pPr algn="ctr"/>
+                  <a:r>
+                    <a:rPr lang="en-US" altLang="zh-CN" sz="1000" b="1" dirty="0"/>
+                    <a:t>+…+</a:t>
+                  </a:r>
+                  <a:endParaRPr lang="zh-CN" altLang="en-US" sz="1000" b="1" dirty="0"/>
+                </a:p>
+              </p:txBody>
+            </p:sp>
+          </p:grpSp>
           <p:sp>
             <p:nvSpPr>
-              <p:cNvPr id="146" name="文本框 145">
+              <p:cNvPr id="149" name="文本框 148">
                 <a:extLst>
                   <a:ext uri="{FF2B5EF4-FFF2-40B4-BE49-F238E27FC236}">
-                    <a16:creationId xmlns:a16="http://schemas.microsoft.com/office/drawing/2014/main" id="{F2CCE7BF-655D-472F-ABEF-C26CEB8074CA}"/>
+                    <a16:creationId xmlns:a16="http://schemas.microsoft.com/office/drawing/2014/main" id="{4C4CDFE3-D9B1-488F-AFA9-67CA387B2420}"/>
                   </a:ext>
                 </a:extLst>
               </p:cNvPr>
@@ -3885,8 +3876,8 @@
             </p:nvSpPr>
             <p:spPr>
               <a:xfrm>
-                <a:off x="4437083" y="989889"/>
-                <a:ext cx="420478" cy="246221"/>
+                <a:off x="4591673" y="1865239"/>
+                <a:ext cx="1641374" cy="276999"/>
               </a:xfrm>
               <a:prstGeom prst="rect">
                 <a:avLst/>
@@ -3901,184 +3892,147 @@
               <a:p>
                 <a:pPr algn="ctr"/>
                 <a:r>
-                  <a:rPr lang="en-US" altLang="zh-CN" sz="1000" b="1" dirty="0"/>
-                  <a:t>+…+</a:t>
+                  <a:rPr lang="en-US" altLang="zh-CN" sz="1200" b="1" dirty="0"/>
+                  <a:t>Aggregation Process</a:t>
                 </a:r>
-                <a:endParaRPr lang="zh-CN" altLang="en-US" sz="1000" b="1" dirty="0"/>
               </a:p>
             </p:txBody>
           </p:sp>
         </p:grpSp>
-        <p:sp>
-          <p:nvSpPr>
-            <p:cNvPr id="149" name="文本框 148">
+        <p:cxnSp>
+          <p:nvCxnSpPr>
+            <p:cNvPr id="158" name="直接箭头连接符 157">
               <a:extLst>
                 <a:ext uri="{FF2B5EF4-FFF2-40B4-BE49-F238E27FC236}">
-                  <a16:creationId xmlns:a16="http://schemas.microsoft.com/office/drawing/2014/main" id="{4C4CDFE3-D9B1-488F-AFA9-67CA387B2420}"/>
+                  <a16:creationId xmlns:a16="http://schemas.microsoft.com/office/drawing/2014/main" id="{00382E23-4A0F-48BB-B86E-06F063988FDD}"/>
                 </a:ext>
               </a:extLst>
             </p:cNvPr>
-            <p:cNvSpPr txBox="1"/>
+            <p:cNvCxnSpPr>
+              <a:cxnSpLocks/>
+              <a:stCxn id="103" idx="3"/>
+              <a:endCxn id="132" idx="1"/>
+            </p:cNvCxnSpPr>
             <p:nvPr/>
-          </p:nvSpPr>
+          </p:nvCxnSpPr>
           <p:spPr>
-            <a:xfrm>
-              <a:off x="4777934" y="2041826"/>
-              <a:ext cx="1641374" cy="276999"/>
+            <a:xfrm flipV="1">
+              <a:off x="3207411" y="4764246"/>
+              <a:ext cx="902982" cy="5445"/>
             </a:xfrm>
-            <a:prstGeom prst="rect">
+            <a:prstGeom prst="straightConnector1">
               <a:avLst/>
             </a:prstGeom>
-            <a:noFill/>
+            <a:ln>
+              <a:tailEnd type="triangle"/>
+            </a:ln>
           </p:spPr>
-          <p:txBody>
-            <a:bodyPr wrap="square" rtlCol="0">
-              <a:spAutoFit/>
-            </a:bodyPr>
-            <a:lstStyle/>
-            <a:p>
-              <a:pPr algn="ctr"/>
-              <a:r>
-                <a:rPr lang="en-US" altLang="zh-CN" sz="1200" b="1" dirty="0"/>
-                <a:t>Aggregation Process</a:t>
-              </a:r>
-            </a:p>
-          </p:txBody>
-        </p:sp>
+          <p:style>
+            <a:lnRef idx="3">
+              <a:schemeClr val="dk1"/>
+            </a:lnRef>
+            <a:fillRef idx="0">
+              <a:schemeClr val="dk1"/>
+            </a:fillRef>
+            <a:effectRef idx="2">
+              <a:schemeClr val="dk1"/>
+            </a:effectRef>
+            <a:fontRef idx="minor">
+              <a:schemeClr val="tx1"/>
+            </a:fontRef>
+          </p:style>
+        </p:cxnSp>
+        <p:cxnSp>
+          <p:nvCxnSpPr>
+            <p:cNvPr id="28" name="直接箭头连接符 157">
+              <a:extLst>
+                <a:ext uri="{FF2B5EF4-FFF2-40B4-BE49-F238E27FC236}">
+                  <a16:creationId xmlns:a16="http://schemas.microsoft.com/office/drawing/2014/main" id="{B0E4B28B-807C-4012-9737-43B2FF9BA3E8}"/>
+                </a:ext>
+              </a:extLst>
+            </p:cNvPr>
+            <p:cNvCxnSpPr>
+              <a:cxnSpLocks/>
+              <a:stCxn id="132" idx="0"/>
+              <a:endCxn id="149" idx="2"/>
+            </p:cNvCxnSpPr>
+            <p:nvPr/>
+          </p:nvCxnSpPr>
+          <p:spPr>
+            <a:xfrm flipV="1">
+              <a:off x="4470393" y="4253250"/>
+              <a:ext cx="2210" cy="186996"/>
+            </a:xfrm>
+            <a:prstGeom prst="straightConnector1">
+              <a:avLst/>
+            </a:prstGeom>
+            <a:ln>
+              <a:tailEnd type="triangle"/>
+            </a:ln>
+          </p:spPr>
+          <p:style>
+            <a:lnRef idx="3">
+              <a:schemeClr val="dk1"/>
+            </a:lnRef>
+            <a:fillRef idx="0">
+              <a:schemeClr val="dk1"/>
+            </a:fillRef>
+            <a:effectRef idx="2">
+              <a:schemeClr val="dk1"/>
+            </a:effectRef>
+            <a:fontRef idx="minor">
+              <a:schemeClr val="tx1"/>
+            </a:fontRef>
+          </p:style>
+        </p:cxnSp>
+        <p:cxnSp>
+          <p:nvCxnSpPr>
+            <p:cNvPr id="32" name="直接箭头连接符 157">
+              <a:extLst>
+                <a:ext uri="{FF2B5EF4-FFF2-40B4-BE49-F238E27FC236}">
+                  <a16:creationId xmlns:a16="http://schemas.microsoft.com/office/drawing/2014/main" id="{BCFE9391-FF40-4505-8324-0FCF6B0B9C53}"/>
+                </a:ext>
+              </a:extLst>
+            </p:cNvPr>
+            <p:cNvCxnSpPr>
+              <a:cxnSpLocks/>
+              <a:stCxn id="141" idx="3"/>
+              <a:endCxn id="134" idx="2"/>
+            </p:cNvCxnSpPr>
+            <p:nvPr/>
+          </p:nvCxnSpPr>
+          <p:spPr>
+            <a:xfrm flipV="1">
+              <a:off x="4460565" y="3502008"/>
+              <a:ext cx="295" cy="230336"/>
+            </a:xfrm>
+            <a:prstGeom prst="straightConnector1">
+              <a:avLst/>
+            </a:prstGeom>
+            <a:ln>
+              <a:tailEnd type="triangle"/>
+            </a:ln>
+          </p:spPr>
+          <p:style>
+            <a:lnRef idx="3">
+              <a:schemeClr val="dk1"/>
+            </a:lnRef>
+            <a:fillRef idx="0">
+              <a:schemeClr val="dk1"/>
+            </a:fillRef>
+            <a:effectRef idx="2">
+              <a:schemeClr val="dk1"/>
+            </a:effectRef>
+            <a:fontRef idx="minor">
+              <a:schemeClr val="tx1"/>
+            </a:fontRef>
+          </p:style>
+        </p:cxnSp>
       </p:grpSp>
-      <p:cxnSp>
-        <p:nvCxnSpPr>
-          <p:cNvPr id="158" name="直接箭头连接符 157">
-            <a:extLst>
-              <a:ext uri="{FF2B5EF4-FFF2-40B4-BE49-F238E27FC236}">
-                <a16:creationId xmlns:a16="http://schemas.microsoft.com/office/drawing/2014/main" id="{00382E23-4A0F-48BB-B86E-06F063988FDD}"/>
-              </a:ext>
-            </a:extLst>
-          </p:cNvPr>
-          <p:cNvCxnSpPr>
-            <a:cxnSpLocks/>
-            <a:stCxn id="103" idx="3"/>
-            <a:endCxn id="132" idx="1"/>
-          </p:cNvCxnSpPr>
-          <p:nvPr/>
-        </p:nvCxnSpPr>
-        <p:spPr>
-          <a:xfrm flipV="1">
-            <a:off x="3146441" y="4338540"/>
-            <a:ext cx="756775" cy="4493"/>
-          </a:xfrm>
-          <a:prstGeom prst="straightConnector1">
-            <a:avLst/>
-          </a:prstGeom>
-          <a:ln>
-            <a:tailEnd type="triangle"/>
-          </a:ln>
-        </p:spPr>
-        <p:style>
-          <a:lnRef idx="3">
-            <a:schemeClr val="dk1"/>
-          </a:lnRef>
-          <a:fillRef idx="0">
-            <a:schemeClr val="dk1"/>
-          </a:fillRef>
-          <a:effectRef idx="2">
-            <a:schemeClr val="dk1"/>
-          </a:effectRef>
-          <a:fontRef idx="minor">
-            <a:schemeClr val="tx1"/>
-          </a:fontRef>
-        </p:style>
-      </p:cxnSp>
-      <p:cxnSp>
-        <p:nvCxnSpPr>
-          <p:cNvPr id="159" name="连接符: 曲线 158">
-            <a:extLst>
-              <a:ext uri="{FF2B5EF4-FFF2-40B4-BE49-F238E27FC236}">
-                <a16:creationId xmlns:a16="http://schemas.microsoft.com/office/drawing/2014/main" id="{8FE10478-2DF9-4352-AAE4-DE6D7EC1A202}"/>
-              </a:ext>
-            </a:extLst>
-          </p:cNvPr>
-          <p:cNvCxnSpPr>
-            <a:cxnSpLocks/>
-            <a:stCxn id="132" idx="3"/>
-            <a:endCxn id="149" idx="2"/>
-          </p:cNvCxnSpPr>
-          <p:nvPr/>
-        </p:nvCxnSpPr>
-        <p:spPr>
-          <a:xfrm flipV="1">
-            <a:off x="4623216" y="4205548"/>
-            <a:ext cx="783324" cy="132992"/>
-          </a:xfrm>
-          <a:prstGeom prst="curvedConnector2">
-            <a:avLst/>
-          </a:prstGeom>
-          <a:ln>
-            <a:tailEnd type="triangle"/>
-          </a:ln>
-        </p:spPr>
-        <p:style>
-          <a:lnRef idx="3">
-            <a:schemeClr val="dk1"/>
-          </a:lnRef>
-          <a:fillRef idx="0">
-            <a:schemeClr val="dk1"/>
-          </a:fillRef>
-          <a:effectRef idx="2">
-            <a:schemeClr val="dk1"/>
-          </a:effectRef>
-          <a:fontRef idx="minor">
-            <a:schemeClr val="tx1"/>
-          </a:fontRef>
-        </p:style>
-      </p:cxnSp>
-      <p:cxnSp>
-        <p:nvCxnSpPr>
-          <p:cNvPr id="161" name="连接符: 曲线 160">
-            <a:extLst>
-              <a:ext uri="{FF2B5EF4-FFF2-40B4-BE49-F238E27FC236}">
-                <a16:creationId xmlns:a16="http://schemas.microsoft.com/office/drawing/2014/main" id="{5D159E39-59C5-459F-887C-83CF8F48CE35}"/>
-              </a:ext>
-            </a:extLst>
-          </p:cNvPr>
-          <p:cNvCxnSpPr>
-            <a:cxnSpLocks/>
-            <a:stCxn id="144" idx="0"/>
-            <a:endCxn id="74" idx="3"/>
-          </p:cNvCxnSpPr>
-          <p:nvPr/>
-        </p:nvCxnSpPr>
-        <p:spPr>
-          <a:xfrm rot="16200000" flipV="1">
-            <a:off x="4716238" y="2889940"/>
-            <a:ext cx="496231" cy="742829"/>
-          </a:xfrm>
-          <a:prstGeom prst="curvedConnector2">
-            <a:avLst/>
-          </a:prstGeom>
-          <a:ln>
-            <a:tailEnd type="triangle"/>
-          </a:ln>
-        </p:spPr>
-        <p:style>
-          <a:lnRef idx="3">
-            <a:schemeClr val="dk1"/>
-          </a:lnRef>
-          <a:fillRef idx="0">
-            <a:schemeClr val="dk1"/>
-          </a:fillRef>
-          <a:effectRef idx="2">
-            <a:schemeClr val="dk1"/>
-          </a:effectRef>
-          <a:fontRef idx="minor">
-            <a:schemeClr val="tx1"/>
-          </a:fontRef>
-        </p:style>
-      </p:cxnSp>
     </p:spTree>
     <p:extLst>
       <p:ext uri="{BB962C8B-B14F-4D97-AF65-F5344CB8AC3E}">
-        <p14:creationId xmlns:p14="http://schemas.microsoft.com/office/powerpoint/2010/main" val="3376500578"/>
+        <p14:creationId xmlns:p14="http://schemas.microsoft.com/office/powerpoint/2010/main" val="2368255541"/>
       </p:ext>
     </p:extLst>
   </p:cSld>

--- a/Manuscript/figures/FLPhish_System.pptx
+++ b/Manuscript/figures/FLPhish_System.pptx
@@ -2890,10 +2890,10 @@
       </p:grpSpPr>
       <p:grpSp>
         <p:nvGrpSpPr>
-          <p:cNvPr id="39" name="Group 38">
+          <p:cNvPr id="37" name="Group 36">
             <a:extLst>
               <a:ext uri="{FF2B5EF4-FFF2-40B4-BE49-F238E27FC236}">
-                <a16:creationId xmlns:a16="http://schemas.microsoft.com/office/drawing/2014/main" id="{9635AB6E-D1C5-4B5B-8B1A-8FC9518D066D}"/>
+                <a16:creationId xmlns:a16="http://schemas.microsoft.com/office/drawing/2014/main" id="{ECFE6AAA-70EF-4FDB-A0F7-BD56C5678789}"/>
               </a:ext>
             </a:extLst>
           </p:cNvPr>
@@ -2902,122 +2902,12 @@
         </p:nvGrpSpPr>
         <p:grpSpPr>
           <a:xfrm>
-            <a:off x="2203544" y="1901888"/>
-            <a:ext cx="3089746" cy="3363523"/>
-            <a:chOff x="2203544" y="1901888"/>
-            <a:chExt cx="3089746" cy="3363523"/>
+            <a:off x="2202292" y="3429000"/>
+            <a:ext cx="3301669" cy="2506797"/>
+            <a:chOff x="2202292" y="3429000"/>
+            <a:chExt cx="3301669" cy="2506797"/>
           </a:xfrm>
         </p:grpSpPr>
-        <p:sp>
-          <p:nvSpPr>
-            <p:cNvPr id="172" name="矩形: 圆角 171">
-              <a:extLst>
-                <a:ext uri="{FF2B5EF4-FFF2-40B4-BE49-F238E27FC236}">
-                  <a16:creationId xmlns:a16="http://schemas.microsoft.com/office/drawing/2014/main" id="{A2D13E9A-E330-4DC3-A713-A42266F9418A}"/>
-                </a:ext>
-              </a:extLst>
-            </p:cNvPr>
-            <p:cNvSpPr/>
-            <p:nvPr/>
-          </p:nvSpPr>
-          <p:spPr>
-            <a:xfrm flipH="1">
-              <a:off x="3781497" y="2707238"/>
-              <a:ext cx="1332822" cy="2542543"/>
-            </a:xfrm>
-            <a:prstGeom prst="roundRect">
-              <a:avLst/>
-            </a:prstGeom>
-            <a:solidFill>
-              <a:schemeClr val="accent1">
-                <a:lumMod val="40000"/>
-                <a:lumOff val="60000"/>
-              </a:schemeClr>
-            </a:solidFill>
-            <a:ln>
-              <a:noFill/>
-            </a:ln>
-          </p:spPr>
-          <p:style>
-            <a:lnRef idx="2">
-              <a:schemeClr val="accent3">
-                <a:shade val="50000"/>
-              </a:schemeClr>
-            </a:lnRef>
-            <a:fillRef idx="1">
-              <a:schemeClr val="accent3"/>
-            </a:fillRef>
-            <a:effectRef idx="0">
-              <a:schemeClr val="accent3"/>
-            </a:effectRef>
-            <a:fontRef idx="minor">
-              <a:schemeClr val="lt1"/>
-            </a:fontRef>
-          </p:style>
-          <p:txBody>
-            <a:bodyPr rtlCol="0" anchor="ctr"/>
-            <a:lstStyle/>
-            <a:p>
-              <a:pPr algn="ctr"/>
-              <a:endParaRPr lang="zh-CN" altLang="en-US" dirty="0"/>
-            </a:p>
-          </p:txBody>
-        </p:sp>
-        <p:sp>
-          <p:nvSpPr>
-            <p:cNvPr id="171" name="矩形: 圆角 170">
-              <a:extLst>
-                <a:ext uri="{FF2B5EF4-FFF2-40B4-BE49-F238E27FC236}">
-                  <a16:creationId xmlns:a16="http://schemas.microsoft.com/office/drawing/2014/main" id="{71F4A02A-7A97-40B6-A2DC-03EDFAEFCBE6}"/>
-                </a:ext>
-              </a:extLst>
-            </p:cNvPr>
-            <p:cNvSpPr/>
-            <p:nvPr/>
-          </p:nvSpPr>
-          <p:spPr>
-            <a:xfrm flipH="1">
-              <a:off x="2321165" y="2707238"/>
-              <a:ext cx="1170941" cy="2554071"/>
-            </a:xfrm>
-            <a:prstGeom prst="roundRect">
-              <a:avLst/>
-            </a:prstGeom>
-            <a:solidFill>
-              <a:schemeClr val="accent2">
-                <a:lumMod val="40000"/>
-                <a:lumOff val="60000"/>
-              </a:schemeClr>
-            </a:solidFill>
-            <a:ln>
-              <a:noFill/>
-            </a:ln>
-          </p:spPr>
-          <p:style>
-            <a:lnRef idx="2">
-              <a:schemeClr val="accent3">
-                <a:shade val="50000"/>
-              </a:schemeClr>
-            </a:lnRef>
-            <a:fillRef idx="1">
-              <a:schemeClr val="accent3"/>
-            </a:fillRef>
-            <a:effectRef idx="0">
-              <a:schemeClr val="accent3"/>
-            </a:effectRef>
-            <a:fontRef idx="minor">
-              <a:schemeClr val="lt1"/>
-            </a:fontRef>
-          </p:style>
-          <p:txBody>
-            <a:bodyPr rtlCol="0" anchor="ctr"/>
-            <a:lstStyle/>
-            <a:p>
-              <a:pPr algn="ctr"/>
-              <a:endParaRPr lang="zh-CN" altLang="en-US" dirty="0"/>
-            </a:p>
-          </p:txBody>
-        </p:sp>
         <p:grpSp>
           <p:nvGrpSpPr>
             <p:cNvPr id="6" name="组合 5">
@@ -3032,10 +2922,10 @@
           </p:nvGrpSpPr>
           <p:grpSpPr>
             <a:xfrm>
-              <a:off x="3909382" y="2710143"/>
-              <a:ext cx="1102955" cy="791865"/>
+              <a:off x="3067559" y="4107439"/>
+              <a:ext cx="1102955" cy="768782"/>
               <a:chOff x="7581350" y="3715581"/>
-              <a:chExt cx="1102955" cy="791865"/>
+              <a:chExt cx="1102955" cy="768782"/>
             </a:xfrm>
           </p:grpSpPr>
           <p:pic>
@@ -3071,7 +2961,7 @@
             <p:spPr>
               <a:xfrm>
                 <a:off x="7581350" y="4230447"/>
-                <a:ext cx="1102955" cy="276999"/>
+                <a:ext cx="1102955" cy="253916"/>
               </a:xfrm>
               <a:prstGeom prst="rect">
                 <a:avLst/>
@@ -3086,330 +2976,12 @@
               <a:p>
                 <a:pPr algn="ctr"/>
                 <a:r>
-                  <a:rPr lang="en-US" altLang="zh-CN" sz="1200" b="1" dirty="0"/>
+                  <a:rPr lang="en-US" altLang="zh-CN" sz="1050" b="1" dirty="0"/>
                   <a:t>Global Model</a:t>
                 </a:r>
               </a:p>
             </p:txBody>
           </p:sp>
-        </p:grpSp>
-        <p:grpSp>
-          <p:nvGrpSpPr>
-            <p:cNvPr id="4" name="组合 3">
-              <a:extLst>
-                <a:ext uri="{FF2B5EF4-FFF2-40B4-BE49-F238E27FC236}">
-                  <a16:creationId xmlns:a16="http://schemas.microsoft.com/office/drawing/2014/main" id="{7B0E9611-6E2E-4402-BE41-33F0618616CE}"/>
-                </a:ext>
-              </a:extLst>
-            </p:cNvPr>
-            <p:cNvGrpSpPr/>
-            <p:nvPr/>
-          </p:nvGrpSpPr>
-          <p:grpSpPr>
-            <a:xfrm>
-              <a:off x="2203544" y="2657674"/>
-              <a:ext cx="1395057" cy="830003"/>
-              <a:chOff x="3428337" y="4084320"/>
-              <a:chExt cx="1395057" cy="830003"/>
-            </a:xfrm>
-          </p:grpSpPr>
-          <p:pic>
-            <p:nvPicPr>
-              <p:cNvPr id="71" name="图片 70" descr="数据 (2)"/>
-              <p:cNvPicPr>
-                <a:picLocks noChangeAspect="1"/>
-              </p:cNvPicPr>
-              <p:nvPr/>
-            </p:nvPicPr>
-            <p:blipFill>
-              <a:blip r:embed="rId3"/>
-              <a:stretch>
-                <a:fillRect/>
-              </a:stretch>
-            </p:blipFill>
-            <p:spPr>
-              <a:xfrm>
-                <a:off x="3753485" y="4084320"/>
-                <a:ext cx="720090" cy="720090"/>
-              </a:xfrm>
-              <a:prstGeom prst="rect">
-                <a:avLst/>
-              </a:prstGeom>
-            </p:spPr>
-          </p:pic>
-          <p:sp>
-            <p:nvSpPr>
-              <p:cNvPr id="113" name="文本框 112"/>
-              <p:cNvSpPr txBox="1"/>
-              <p:nvPr/>
-            </p:nvSpPr>
-            <p:spPr>
-              <a:xfrm>
-                <a:off x="3428337" y="4637324"/>
-                <a:ext cx="1395057" cy="276999"/>
-              </a:xfrm>
-              <a:prstGeom prst="rect">
-                <a:avLst/>
-              </a:prstGeom>
-              <a:noFill/>
-            </p:spPr>
-            <p:txBody>
-              <a:bodyPr wrap="square" rtlCol="0">
-                <a:spAutoFit/>
-              </a:bodyPr>
-              <a:lstStyle/>
-              <a:p>
-                <a:pPr algn="ctr"/>
-                <a:r>
-                  <a:rPr lang="en-US" altLang="zh-CN" sz="1200" b="1" dirty="0"/>
-                  <a:t>Poisoned Dataset</a:t>
-                </a:r>
-              </a:p>
-            </p:txBody>
-          </p:sp>
-          <p:pic>
-            <p:nvPicPr>
-              <p:cNvPr id="73" name="图片 72" descr="病毒 (1)"/>
-              <p:cNvPicPr>
-                <a:picLocks noChangeAspect="1"/>
-              </p:cNvPicPr>
-              <p:nvPr/>
-            </p:nvPicPr>
-            <p:blipFill>
-              <a:blip r:embed="rId4"/>
-              <a:stretch>
-                <a:fillRect/>
-              </a:stretch>
-            </p:blipFill>
-            <p:spPr>
-              <a:xfrm>
-                <a:off x="4147174" y="4341461"/>
-                <a:ext cx="360045" cy="360045"/>
-              </a:xfrm>
-              <a:prstGeom prst="rect">
-                <a:avLst/>
-              </a:prstGeom>
-            </p:spPr>
-          </p:pic>
-        </p:grpSp>
-        <p:grpSp>
-          <p:nvGrpSpPr>
-            <p:cNvPr id="2" name="组合 1">
-              <a:extLst>
-                <a:ext uri="{FF2B5EF4-FFF2-40B4-BE49-F238E27FC236}">
-                  <a16:creationId xmlns:a16="http://schemas.microsoft.com/office/drawing/2014/main" id="{FE05EDA2-74CC-4A7A-A62E-140DA5E6EFA3}"/>
-                </a:ext>
-              </a:extLst>
-            </p:cNvPr>
-            <p:cNvGrpSpPr/>
-            <p:nvPr/>
-          </p:nvGrpSpPr>
-          <p:grpSpPr>
-            <a:xfrm>
-              <a:off x="2444491" y="1901888"/>
-              <a:ext cx="906113" cy="866874"/>
-              <a:chOff x="2055828" y="4084320"/>
-              <a:chExt cx="906113" cy="866874"/>
-            </a:xfrm>
-          </p:grpSpPr>
-          <p:pic>
-            <p:nvPicPr>
-              <p:cNvPr id="9" name="图片 8" descr="用户 (1)"/>
-              <p:cNvPicPr>
-                <a:picLocks noChangeAspect="1"/>
-              </p:cNvPicPr>
-              <p:nvPr/>
-            </p:nvPicPr>
-            <p:blipFill>
-              <a:blip r:embed="rId5"/>
-              <a:stretch>
-                <a:fillRect/>
-              </a:stretch>
-            </p:blipFill>
-            <p:spPr>
-              <a:xfrm flipH="1">
-                <a:off x="2141220" y="4084320"/>
-                <a:ext cx="735330" cy="720090"/>
-              </a:xfrm>
-              <a:prstGeom prst="rect">
-                <a:avLst/>
-              </a:prstGeom>
-            </p:spPr>
-          </p:pic>
-          <p:sp>
-            <p:nvSpPr>
-              <p:cNvPr id="93" name="文本框 92">
-                <a:extLst>
-                  <a:ext uri="{FF2B5EF4-FFF2-40B4-BE49-F238E27FC236}">
-                    <a16:creationId xmlns:a16="http://schemas.microsoft.com/office/drawing/2014/main" id="{6A624DD8-361E-4F1C-AC7B-B4A620C8D8B9}"/>
-                  </a:ext>
-                </a:extLst>
-              </p:cNvPr>
-              <p:cNvSpPr txBox="1"/>
-              <p:nvPr/>
-            </p:nvSpPr>
-            <p:spPr>
-              <a:xfrm>
-                <a:off x="2055828" y="4612640"/>
-                <a:ext cx="906113" cy="338554"/>
-              </a:xfrm>
-              <a:prstGeom prst="rect">
-                <a:avLst/>
-              </a:prstGeom>
-              <a:noFill/>
-            </p:spPr>
-            <p:txBody>
-              <a:bodyPr wrap="square" rtlCol="0">
-                <a:spAutoFit/>
-              </a:bodyPr>
-              <a:lstStyle/>
-              <a:p>
-                <a:pPr algn="ctr"/>
-                <a:r>
-                  <a:rPr lang="en-US" altLang="zh-CN" sz="1600" b="1" i="1" dirty="0"/>
-                  <a:t>FL Client</a:t>
-                </a:r>
-              </a:p>
-            </p:txBody>
-          </p:sp>
-        </p:grpSp>
-        <p:grpSp>
-          <p:nvGrpSpPr>
-            <p:cNvPr id="21" name="组合 20">
-              <a:extLst>
-                <a:ext uri="{FF2B5EF4-FFF2-40B4-BE49-F238E27FC236}">
-                  <a16:creationId xmlns:a16="http://schemas.microsoft.com/office/drawing/2014/main" id="{02A24C02-63F3-4474-92E8-44B507AD397C}"/>
-                </a:ext>
-              </a:extLst>
-            </p:cNvPr>
-            <p:cNvGrpSpPr/>
-            <p:nvPr/>
-          </p:nvGrpSpPr>
-          <p:grpSpPr>
-            <a:xfrm>
-              <a:off x="2247096" y="4463691"/>
-              <a:ext cx="1273908" cy="801720"/>
-              <a:chOff x="2140217" y="3844591"/>
-              <a:chExt cx="1273908" cy="801720"/>
-            </a:xfrm>
-          </p:grpSpPr>
-          <p:grpSp>
-            <p:nvGrpSpPr>
-              <p:cNvPr id="102" name="组合 101">
-                <a:extLst>
-                  <a:ext uri="{FF2B5EF4-FFF2-40B4-BE49-F238E27FC236}">
-                    <a16:creationId xmlns:a16="http://schemas.microsoft.com/office/drawing/2014/main" id="{C58481CD-A263-41FC-A97C-15C1CE00BDF6}"/>
-                  </a:ext>
-                </a:extLst>
-              </p:cNvPr>
-              <p:cNvGrpSpPr/>
-              <p:nvPr/>
-            </p:nvGrpSpPr>
-            <p:grpSpPr>
-              <a:xfrm>
-                <a:off x="2140217" y="3844591"/>
-                <a:ext cx="1273908" cy="801720"/>
-                <a:chOff x="7302666" y="3737852"/>
-                <a:chExt cx="1273908" cy="801720"/>
-              </a:xfrm>
-            </p:grpSpPr>
-            <p:pic>
-              <p:nvPicPr>
-                <p:cNvPr id="103" name="图片 102" descr="人工智能">
-                  <a:extLst>
-                    <a:ext uri="{FF2B5EF4-FFF2-40B4-BE49-F238E27FC236}">
-                      <a16:creationId xmlns:a16="http://schemas.microsoft.com/office/drawing/2014/main" id="{44FE7E78-0388-4E2B-AA03-4C5C9F0E7B3C}"/>
-                    </a:ext>
-                  </a:extLst>
-                </p:cNvPr>
-                <p:cNvPicPr>
-                  <a:picLocks noChangeAspect="1"/>
-                </p:cNvPicPr>
-                <p:nvPr/>
-              </p:nvPicPr>
-              <p:blipFill>
-                <a:blip r:embed="rId2"/>
-                <a:stretch>
-                  <a:fillRect/>
-                </a:stretch>
-              </p:blipFill>
-              <p:spPr>
-                <a:xfrm>
-                  <a:off x="7650981" y="3737852"/>
-                  <a:ext cx="612000" cy="612000"/>
-                </a:xfrm>
-                <a:prstGeom prst="rect">
-                  <a:avLst/>
-                </a:prstGeom>
-              </p:spPr>
-            </p:pic>
-            <p:sp>
-              <p:nvSpPr>
-                <p:cNvPr id="104" name="文本框 103">
-                  <a:extLst>
-                    <a:ext uri="{FF2B5EF4-FFF2-40B4-BE49-F238E27FC236}">
-                      <a16:creationId xmlns:a16="http://schemas.microsoft.com/office/drawing/2014/main" id="{EC2AC9C0-33F3-4643-86C1-311B95D12101}"/>
-                    </a:ext>
-                  </a:extLst>
-                </p:cNvPr>
-                <p:cNvSpPr txBox="1"/>
-                <p:nvPr/>
-              </p:nvSpPr>
-              <p:spPr>
-                <a:xfrm>
-                  <a:off x="7302666" y="4262573"/>
-                  <a:ext cx="1273908" cy="276999"/>
-                </a:xfrm>
-                <a:prstGeom prst="rect">
-                  <a:avLst/>
-                </a:prstGeom>
-                <a:noFill/>
-              </p:spPr>
-              <p:txBody>
-                <a:bodyPr wrap="square" rtlCol="0">
-                  <a:spAutoFit/>
-                </a:bodyPr>
-                <a:lstStyle/>
-                <a:p>
-                  <a:pPr algn="ctr"/>
-                  <a:r>
-                    <a:rPr lang="en-US" altLang="zh-CN" sz="1200" b="1" dirty="0"/>
-                    <a:t>Poisoned Model</a:t>
-                  </a:r>
-                </a:p>
-              </p:txBody>
-            </p:sp>
-          </p:grpSp>
-          <p:pic>
-            <p:nvPicPr>
-              <p:cNvPr id="105" name="图片 104" descr="病毒 (1)">
-                <a:extLst>
-                  <a:ext uri="{FF2B5EF4-FFF2-40B4-BE49-F238E27FC236}">
-                    <a16:creationId xmlns:a16="http://schemas.microsoft.com/office/drawing/2014/main" id="{21291630-BAC6-41A8-95E5-B4230B1A2EF6}"/>
-                  </a:ext>
-                </a:extLst>
-              </p:cNvPr>
-              <p:cNvPicPr>
-                <a:picLocks noChangeAspect="1"/>
-              </p:cNvPicPr>
-              <p:nvPr/>
-            </p:nvPicPr>
-            <p:blipFill>
-              <a:blip r:embed="rId4"/>
-              <a:stretch>
-                <a:fillRect/>
-              </a:stretch>
-            </p:blipFill>
-            <p:spPr>
-              <a:xfrm>
-                <a:off x="2821767" y="4096360"/>
-                <a:ext cx="360045" cy="360045"/>
-              </a:xfrm>
-              <a:prstGeom prst="rect">
-                <a:avLst/>
-              </a:prstGeom>
-            </p:spPr>
-          </p:pic>
         </p:grpSp>
         <p:grpSp>
           <p:nvGrpSpPr>
@@ -3425,10 +2997,10 @@
           </p:nvGrpSpPr>
           <p:grpSpPr>
             <a:xfrm>
-              <a:off x="3987591" y="1907062"/>
-              <a:ext cx="945947" cy="889367"/>
-              <a:chOff x="6754914" y="2142173"/>
-              <a:chExt cx="945947" cy="889367"/>
+              <a:off x="2202292" y="3803641"/>
+              <a:ext cx="945947" cy="848851"/>
+              <a:chOff x="6754915" y="2142173"/>
+              <a:chExt cx="945947" cy="848851"/>
             </a:xfrm>
           </p:grpSpPr>
           <p:pic>
@@ -3446,7 +3018,7 @@
               <p:nvPr/>
             </p:nvPicPr>
             <p:blipFill>
-              <a:blip r:embed="rId6"/>
+              <a:blip r:embed="rId3"/>
               <a:stretch>
                 <a:fillRect/>
               </a:stretch>
@@ -3475,8 +3047,8 @@
             </p:nvSpPr>
             <p:spPr>
               <a:xfrm>
-                <a:off x="6754914" y="2692986"/>
-                <a:ext cx="945947" cy="338554"/>
+                <a:off x="6754915" y="2737108"/>
+                <a:ext cx="945947" cy="253916"/>
               </a:xfrm>
               <a:prstGeom prst="rect">
                 <a:avLst/>
@@ -3491,7 +3063,7 @@
               <a:p>
                 <a:pPr algn="ctr"/>
                 <a:r>
-                  <a:rPr lang="en-US" altLang="zh-CN" sz="1600" b="1" i="1" dirty="0"/>
+                  <a:rPr lang="en-US" altLang="zh-CN" sz="1050" b="1" i="1" dirty="0"/>
                   <a:t>FL Server</a:t>
                 </a:r>
               </a:p>
@@ -3512,10 +3084,10 @@
           </p:nvGrpSpPr>
           <p:grpSpPr>
             <a:xfrm>
-              <a:off x="3849900" y="4440246"/>
-              <a:ext cx="1240986" cy="821063"/>
+              <a:off x="4262975" y="4073573"/>
+              <a:ext cx="1240986" cy="797980"/>
               <a:chOff x="6264427" y="2510771"/>
-              <a:chExt cx="1240986" cy="821063"/>
+              <a:chExt cx="1240986" cy="797980"/>
             </a:xfrm>
           </p:grpSpPr>
           <p:pic>
@@ -3533,7 +3105,7 @@
               <p:nvPr/>
             </p:nvPicPr>
             <p:blipFill>
-              <a:blip r:embed="rId7"/>
+              <a:blip r:embed="rId4"/>
               <a:stretch>
                 <a:fillRect/>
               </a:stretch>
@@ -3563,7 +3135,7 @@
             <p:spPr>
               <a:xfrm>
                 <a:off x="6264427" y="3054835"/>
-                <a:ext cx="1240986" cy="276999"/>
+                <a:ext cx="1240986" cy="253916"/>
               </a:xfrm>
               <a:prstGeom prst="rect">
                 <a:avLst/>
@@ -3578,105 +3150,19 @@
               <a:p>
                 <a:pPr algn="ctr"/>
                 <a:r>
-                  <a:rPr lang="en-US" altLang="zh-CN" sz="1200" b="1" dirty="0"/>
+                  <a:rPr lang="en-US" altLang="zh-CN" sz="1050" b="1" dirty="0"/>
                   <a:t>Gradient Update</a:t>
                 </a:r>
               </a:p>
             </p:txBody>
           </p:sp>
         </p:grpSp>
-        <p:cxnSp>
-          <p:nvCxnSpPr>
-            <p:cNvPr id="137" name="直接箭头连接符 136">
+        <p:grpSp>
+          <p:nvGrpSpPr>
+            <p:cNvPr id="7" name="Group 6">
               <a:extLst>
                 <a:ext uri="{FF2B5EF4-FFF2-40B4-BE49-F238E27FC236}">
-                  <a16:creationId xmlns:a16="http://schemas.microsoft.com/office/drawing/2014/main" id="{160AF9DE-CC45-448C-BA34-F379C67B9EE8}"/>
-                </a:ext>
-              </a:extLst>
-            </p:cNvPr>
-            <p:cNvCxnSpPr>
-              <a:cxnSpLocks/>
-              <a:stCxn id="113" idx="2"/>
-              <a:endCxn id="103" idx="0"/>
-            </p:cNvCxnSpPr>
-            <p:nvPr/>
-          </p:nvCxnSpPr>
-          <p:spPr>
-            <a:xfrm>
-              <a:off x="2901073" y="3487677"/>
-              <a:ext cx="338" cy="976014"/>
-            </a:xfrm>
-            <a:prstGeom prst="straightConnector1">
-              <a:avLst/>
-            </a:prstGeom>
-            <a:ln>
-              <a:tailEnd type="triangle"/>
-            </a:ln>
-          </p:spPr>
-          <p:style>
-            <a:lnRef idx="3">
-              <a:schemeClr val="dk1"/>
-            </a:lnRef>
-            <a:fillRef idx="0">
-              <a:schemeClr val="dk1"/>
-            </a:fillRef>
-            <a:effectRef idx="2">
-              <a:schemeClr val="dk1"/>
-            </a:effectRef>
-            <a:fontRef idx="minor">
-              <a:schemeClr val="tx1"/>
-            </a:fontRef>
-          </p:style>
-        </p:cxnSp>
-        <p:cxnSp>
-          <p:nvCxnSpPr>
-            <p:cNvPr id="140" name="直接箭头连接符 139">
-              <a:extLst>
-                <a:ext uri="{FF2B5EF4-FFF2-40B4-BE49-F238E27FC236}">
-                  <a16:creationId xmlns:a16="http://schemas.microsoft.com/office/drawing/2014/main" id="{003CFCFA-1B30-49C2-B6C2-4FA0A86B92B5}"/>
-                </a:ext>
-              </a:extLst>
-            </p:cNvPr>
-            <p:cNvCxnSpPr>
-              <a:cxnSpLocks/>
-              <a:stCxn id="74" idx="1"/>
-              <a:endCxn id="71" idx="3"/>
-            </p:cNvCxnSpPr>
-            <p:nvPr/>
-          </p:nvCxnSpPr>
-          <p:spPr>
-            <a:xfrm flipH="1">
-              <a:off x="3248782" y="3016143"/>
-              <a:ext cx="924531" cy="1576"/>
-            </a:xfrm>
-            <a:prstGeom prst="straightConnector1">
-              <a:avLst/>
-            </a:prstGeom>
-            <a:ln>
-              <a:tailEnd type="triangle"/>
-            </a:ln>
-          </p:spPr>
-          <p:style>
-            <a:lnRef idx="3">
-              <a:schemeClr val="dk1"/>
-            </a:lnRef>
-            <a:fillRef idx="0">
-              <a:schemeClr val="dk1"/>
-            </a:fillRef>
-            <a:effectRef idx="2">
-              <a:schemeClr val="dk1"/>
-            </a:effectRef>
-            <a:fontRef idx="minor">
-              <a:schemeClr val="tx1"/>
-            </a:fontRef>
-          </p:style>
-        </p:cxnSp>
-        <p:grpSp>
-          <p:nvGrpSpPr>
-            <p:cNvPr id="88" name="组合 87">
-              <a:extLst>
-                <a:ext uri="{FF2B5EF4-FFF2-40B4-BE49-F238E27FC236}">
-                  <a16:creationId xmlns:a16="http://schemas.microsoft.com/office/drawing/2014/main" id="{DC4CC238-1D3E-42E2-84C3-7AA62EE2CD92}"/>
+                  <a16:creationId xmlns:a16="http://schemas.microsoft.com/office/drawing/2014/main" id="{B898E3B4-B2F3-4DAC-9225-10A9E6777121}"/>
                 </a:ext>
               </a:extLst>
             </p:cNvPr>
@@ -3685,10 +3171,10 @@
           </p:nvGrpSpPr>
           <p:grpSpPr>
             <a:xfrm>
-              <a:off x="3651916" y="3700851"/>
-              <a:ext cx="1641374" cy="552399"/>
-              <a:chOff x="4591673" y="1589839"/>
-              <a:chExt cx="1641374" cy="552399"/>
+              <a:off x="3343394" y="3431975"/>
+              <a:ext cx="1841514" cy="550802"/>
+              <a:chOff x="3346766" y="3392131"/>
+              <a:chExt cx="1841514" cy="550802"/>
             </a:xfrm>
           </p:grpSpPr>
           <p:grpSp>
@@ -3705,10 +3191,10 @@
             </p:nvGrpSpPr>
             <p:grpSpPr>
               <a:xfrm>
-                <a:off x="4746568" y="1589839"/>
-                <a:ext cx="1307508" cy="550802"/>
+                <a:off x="3346766" y="3392131"/>
+                <a:ext cx="1841514" cy="550802"/>
                 <a:chOff x="3557848" y="854964"/>
-                <a:chExt cx="1307508" cy="550802"/>
+                <a:chExt cx="1841514" cy="550802"/>
               </a:xfrm>
             </p:grpSpPr>
             <p:sp>
@@ -3726,7 +3212,7 @@
               <p:spPr>
                 <a:xfrm>
                   <a:off x="3557848" y="854964"/>
-                  <a:ext cx="1307508" cy="550802"/>
+                  <a:ext cx="1841514" cy="550802"/>
                 </a:xfrm>
                 <a:prstGeom prst="cloud">
                   <a:avLst/>
@@ -3760,7 +3246,7 @@
                 <a:lstStyle/>
                 <a:p>
                   <a:pPr algn="ctr"/>
-                  <a:endParaRPr lang="zh-CN" altLang="en-US"/>
+                  <a:endParaRPr lang="zh-CN" altLang="en-US" sz="1050"/>
                 </a:p>
               </p:txBody>
             </p:sp>
@@ -3779,7 +3265,7 @@
                 <p:nvPr/>
               </p:nvPicPr>
               <p:blipFill>
-                <a:blip r:embed="rId7"/>
+                <a:blip r:embed="rId4"/>
                 <a:stretch>
                   <a:fillRect/>
                 </a:stretch>
@@ -3809,14 +3295,14 @@
                 <p:nvPr/>
               </p:nvPicPr>
               <p:blipFill>
-                <a:blip r:embed="rId7"/>
+                <a:blip r:embed="rId4"/>
                 <a:stretch>
                   <a:fillRect/>
                 </a:stretch>
               </p:blipFill>
               <p:spPr>
                 <a:xfrm>
-                  <a:off x="4316484" y="893381"/>
+                  <a:off x="4808246" y="883860"/>
                   <a:ext cx="400000" cy="360000"/>
                 </a:xfrm>
                 <a:prstGeom prst="rect">
@@ -3839,7 +3325,7 @@
               <p:spPr>
                 <a:xfrm>
                   <a:off x="4013401" y="997355"/>
-                  <a:ext cx="420478" cy="246221"/>
+                  <a:ext cx="420478" cy="253916"/>
                 </a:xfrm>
                 <a:prstGeom prst="rect">
                   <a:avLst/>
@@ -3854,10 +3340,10 @@
                 <a:p>
                   <a:pPr algn="ctr"/>
                   <a:r>
-                    <a:rPr lang="en-US" altLang="zh-CN" sz="1000" b="1" dirty="0"/>
+                    <a:rPr lang="en-US" altLang="zh-CN" sz="1050" b="1" dirty="0"/>
                     <a:t>+…+</a:t>
                   </a:r>
-                  <a:endParaRPr lang="zh-CN" altLang="en-US" sz="1000" b="1" dirty="0"/>
+                  <a:endParaRPr lang="zh-CN" altLang="en-US" sz="1050" b="1" dirty="0"/>
                 </a:p>
               </p:txBody>
             </p:sp>
@@ -3876,8 +3362,8 @@
             </p:nvSpPr>
             <p:spPr>
               <a:xfrm>
-                <a:off x="4591673" y="1865239"/>
-                <a:ext cx="1641374" cy="276999"/>
+                <a:off x="3504462" y="3675435"/>
+                <a:ext cx="1641374" cy="253916"/>
               </a:xfrm>
               <a:prstGeom prst="rect">
                 <a:avLst/>
@@ -3892,33 +3378,100 @@
               <a:p>
                 <a:pPr algn="ctr"/>
                 <a:r>
-                  <a:rPr lang="en-US" altLang="zh-CN" sz="1200" b="1" dirty="0"/>
+                  <a:rPr lang="en-US" altLang="zh-CN" sz="1050" b="1" dirty="0"/>
                   <a:t>Aggregation Process</a:t>
                 </a:r>
+              </a:p>
+            </p:txBody>
+          </p:sp>
+          <p:pic>
+            <p:nvPicPr>
+              <p:cNvPr id="3" name="图片 144" descr="数据下降">
+                <a:extLst>
+                  <a:ext uri="{FF2B5EF4-FFF2-40B4-BE49-F238E27FC236}">
+                    <a16:creationId xmlns:a16="http://schemas.microsoft.com/office/drawing/2014/main" id="{25510D89-FE22-4EDE-973D-8D8E6AC4024D}"/>
+                  </a:ext>
+                </a:extLst>
+              </p:cNvPr>
+              <p:cNvPicPr>
+                <a:picLocks noChangeAspect="1"/>
+              </p:cNvPicPr>
+              <p:nvPr/>
+            </p:nvPicPr>
+            <p:blipFill>
+              <a:blip r:embed="rId4"/>
+              <a:stretch>
+                <a:fillRect/>
+              </a:stretch>
+            </p:blipFill>
+            <p:spPr>
+              <a:xfrm>
+                <a:off x="4126620" y="3425039"/>
+                <a:ext cx="400000" cy="360000"/>
+              </a:xfrm>
+              <a:prstGeom prst="rect">
+                <a:avLst/>
+              </a:prstGeom>
+            </p:spPr>
+          </p:pic>
+          <p:sp>
+            <p:nvSpPr>
+              <p:cNvPr id="5" name="文本框 145">
+                <a:extLst>
+                  <a:ext uri="{FF2B5EF4-FFF2-40B4-BE49-F238E27FC236}">
+                    <a16:creationId xmlns:a16="http://schemas.microsoft.com/office/drawing/2014/main" id="{DD5DEA71-D48B-4CC4-8658-F60415C4247D}"/>
+                  </a:ext>
+                </a:extLst>
+              </p:cNvPr>
+              <p:cNvSpPr txBox="1"/>
+              <p:nvPr/>
+            </p:nvSpPr>
+            <p:spPr>
+              <a:xfrm>
+                <a:off x="4406048" y="3534521"/>
+                <a:ext cx="266509" cy="253916"/>
+              </a:xfrm>
+              <a:prstGeom prst="rect">
+                <a:avLst/>
+              </a:prstGeom>
+              <a:noFill/>
+            </p:spPr>
+            <p:txBody>
+              <a:bodyPr wrap="square" rtlCol="0">
+                <a:spAutoFit/>
+              </a:bodyPr>
+              <a:lstStyle/>
+              <a:p>
+                <a:pPr algn="ctr"/>
+                <a:r>
+                  <a:rPr lang="en-US" altLang="zh-CN" sz="1050" b="1" dirty="0"/>
+                  <a:t>+</a:t>
+                </a:r>
+                <a:endParaRPr lang="zh-CN" altLang="en-US" sz="1050" b="1" dirty="0"/>
               </a:p>
             </p:txBody>
           </p:sp>
         </p:grpSp>
         <p:cxnSp>
           <p:nvCxnSpPr>
-            <p:cNvPr id="158" name="直接箭头连接符 157">
+            <p:cNvPr id="8" name="直接箭头连接符 157">
               <a:extLst>
                 <a:ext uri="{FF2B5EF4-FFF2-40B4-BE49-F238E27FC236}">
-                  <a16:creationId xmlns:a16="http://schemas.microsoft.com/office/drawing/2014/main" id="{00382E23-4A0F-48BB-B86E-06F063988FDD}"/>
+                  <a16:creationId xmlns:a16="http://schemas.microsoft.com/office/drawing/2014/main" id="{9C92BEB3-35DE-4FB5-ABBE-FB0D1181B59A}"/>
                 </a:ext>
               </a:extLst>
             </p:cNvPr>
             <p:cNvCxnSpPr>
               <a:cxnSpLocks/>
-              <a:stCxn id="103" idx="3"/>
-              <a:endCxn id="132" idx="1"/>
+              <a:stCxn id="103" idx="0"/>
+              <a:endCxn id="135" idx="2"/>
             </p:cNvCxnSpPr>
             <p:nvPr/>
           </p:nvCxnSpPr>
           <p:spPr>
             <a:xfrm flipV="1">
-              <a:off x="3207411" y="4764246"/>
-              <a:ext cx="902982" cy="5445"/>
+              <a:off x="4882280" y="4871553"/>
+              <a:ext cx="1188" cy="282008"/>
             </a:xfrm>
             <a:prstGeom prst="straightConnector1">
               <a:avLst/>
@@ -3944,24 +3497,24 @@
         </p:cxnSp>
         <p:cxnSp>
           <p:nvCxnSpPr>
-            <p:cNvPr id="28" name="直接箭头连接符 157">
+            <p:cNvPr id="13" name="直接箭头连接符 157">
               <a:extLst>
                 <a:ext uri="{FF2B5EF4-FFF2-40B4-BE49-F238E27FC236}">
-                  <a16:creationId xmlns:a16="http://schemas.microsoft.com/office/drawing/2014/main" id="{B0E4B28B-807C-4012-9737-43B2FF9BA3E8}"/>
+                  <a16:creationId xmlns:a16="http://schemas.microsoft.com/office/drawing/2014/main" id="{A336C3A6-2AAD-4FDC-AA58-86321B4E3562}"/>
                 </a:ext>
               </a:extLst>
             </p:cNvPr>
             <p:cNvCxnSpPr>
               <a:cxnSpLocks/>
-              <a:stCxn id="132" idx="0"/>
-              <a:endCxn id="149" idx="2"/>
+              <a:stCxn id="134" idx="2"/>
+              <a:endCxn id="71" idx="0"/>
             </p:cNvCxnSpPr>
             <p:nvPr/>
           </p:nvCxnSpPr>
           <p:spPr>
-            <a:xfrm flipV="1">
-              <a:off x="4470393" y="4253250"/>
-              <a:ext cx="2210" cy="186996"/>
+            <a:xfrm flipH="1">
+              <a:off x="3618869" y="4876221"/>
+              <a:ext cx="168" cy="225407"/>
             </a:xfrm>
             <a:prstGeom prst="straightConnector1">
               <a:avLst/>
@@ -3985,49 +3538,583 @@
             </a:fontRef>
           </p:style>
         </p:cxnSp>
+        <p:grpSp>
+          <p:nvGrpSpPr>
+            <p:cNvPr id="34" name="Group 33">
+              <a:extLst>
+                <a:ext uri="{FF2B5EF4-FFF2-40B4-BE49-F238E27FC236}">
+                  <a16:creationId xmlns:a16="http://schemas.microsoft.com/office/drawing/2014/main" id="{203D71ED-FDF7-4749-8695-7073D8BB0658}"/>
+                </a:ext>
+              </a:extLst>
+            </p:cNvPr>
+            <p:cNvGrpSpPr/>
+            <p:nvPr/>
+          </p:nvGrpSpPr>
+          <p:grpSpPr>
+            <a:xfrm>
+              <a:off x="2221651" y="5101628"/>
+              <a:ext cx="3280222" cy="834169"/>
+              <a:chOff x="2221651" y="5129621"/>
+              <a:chExt cx="3280222" cy="834169"/>
+            </a:xfrm>
+          </p:grpSpPr>
+          <p:grpSp>
+            <p:nvGrpSpPr>
+              <p:cNvPr id="4" name="组合 3">
+                <a:extLst>
+                  <a:ext uri="{FF2B5EF4-FFF2-40B4-BE49-F238E27FC236}">
+                    <a16:creationId xmlns:a16="http://schemas.microsoft.com/office/drawing/2014/main" id="{7B0E9611-6E2E-4402-BE41-33F0618616CE}"/>
+                  </a:ext>
+                </a:extLst>
+              </p:cNvPr>
+              <p:cNvGrpSpPr/>
+              <p:nvPr/>
+            </p:nvGrpSpPr>
+            <p:grpSpPr>
+              <a:xfrm>
+                <a:off x="2933676" y="5129621"/>
+                <a:ext cx="1395057" cy="830365"/>
+                <a:chOff x="3428337" y="4084320"/>
+                <a:chExt cx="1395057" cy="830365"/>
+              </a:xfrm>
+            </p:grpSpPr>
+            <p:pic>
+              <p:nvPicPr>
+                <p:cNvPr id="71" name="图片 70" descr="数据 (2)"/>
+                <p:cNvPicPr>
+                  <a:picLocks noChangeAspect="1"/>
+                </p:cNvPicPr>
+                <p:nvPr/>
+              </p:nvPicPr>
+              <p:blipFill>
+                <a:blip r:embed="rId5"/>
+                <a:stretch>
+                  <a:fillRect/>
+                </a:stretch>
+              </p:blipFill>
+              <p:spPr>
+                <a:xfrm>
+                  <a:off x="3753485" y="4084320"/>
+                  <a:ext cx="720090" cy="720090"/>
+                </a:xfrm>
+                <a:prstGeom prst="rect">
+                  <a:avLst/>
+                </a:prstGeom>
+              </p:spPr>
+            </p:pic>
+            <p:sp>
+              <p:nvSpPr>
+                <p:cNvPr id="113" name="文本框 112"/>
+                <p:cNvSpPr txBox="1"/>
+                <p:nvPr/>
+              </p:nvSpPr>
+              <p:spPr>
+                <a:xfrm>
+                  <a:off x="3428337" y="4660769"/>
+                  <a:ext cx="1395057" cy="253916"/>
+                </a:xfrm>
+                <a:prstGeom prst="rect">
+                  <a:avLst/>
+                </a:prstGeom>
+                <a:noFill/>
+              </p:spPr>
+              <p:txBody>
+                <a:bodyPr wrap="square" rtlCol="0">
+                  <a:spAutoFit/>
+                </a:bodyPr>
+                <a:lstStyle/>
+                <a:p>
+                  <a:pPr algn="ctr"/>
+                  <a:r>
+                    <a:rPr lang="en-US" altLang="zh-CN" sz="1050" b="1" dirty="0"/>
+                    <a:t>Poisoned Dataset</a:t>
+                  </a:r>
+                </a:p>
+              </p:txBody>
+            </p:sp>
+            <p:pic>
+              <p:nvPicPr>
+                <p:cNvPr id="73" name="图片 72" descr="病毒 (1)"/>
+                <p:cNvPicPr>
+                  <a:picLocks noChangeAspect="1"/>
+                </p:cNvPicPr>
+                <p:nvPr/>
+              </p:nvPicPr>
+              <p:blipFill>
+                <a:blip r:embed="rId6"/>
+                <a:stretch>
+                  <a:fillRect/>
+                </a:stretch>
+              </p:blipFill>
+              <p:spPr>
+                <a:xfrm>
+                  <a:off x="4100125" y="4368609"/>
+                  <a:ext cx="360045" cy="360045"/>
+                </a:xfrm>
+                <a:prstGeom prst="rect">
+                  <a:avLst/>
+                </a:prstGeom>
+              </p:spPr>
+            </p:pic>
+          </p:grpSp>
+          <p:grpSp>
+            <p:nvGrpSpPr>
+              <p:cNvPr id="2" name="组合 1">
+                <a:extLst>
+                  <a:ext uri="{FF2B5EF4-FFF2-40B4-BE49-F238E27FC236}">
+                    <a16:creationId xmlns:a16="http://schemas.microsoft.com/office/drawing/2014/main" id="{FE05EDA2-74CC-4A7A-A62E-140DA5E6EFA3}"/>
+                  </a:ext>
+                </a:extLst>
+              </p:cNvPr>
+              <p:cNvGrpSpPr/>
+              <p:nvPr/>
+            </p:nvGrpSpPr>
+            <p:grpSpPr>
+              <a:xfrm>
+                <a:off x="2221651" y="5181554"/>
+                <a:ext cx="906113" cy="782236"/>
+                <a:chOff x="2055828" y="4084320"/>
+                <a:chExt cx="906113" cy="782236"/>
+              </a:xfrm>
+            </p:grpSpPr>
+            <p:pic>
+              <p:nvPicPr>
+                <p:cNvPr id="9" name="图片 8" descr="用户 (1)"/>
+                <p:cNvPicPr>
+                  <a:picLocks noChangeAspect="1"/>
+                </p:cNvPicPr>
+                <p:nvPr/>
+              </p:nvPicPr>
+              <p:blipFill>
+                <a:blip r:embed="rId7"/>
+                <a:stretch>
+                  <a:fillRect/>
+                </a:stretch>
+              </p:blipFill>
+              <p:spPr>
+                <a:xfrm flipH="1">
+                  <a:off x="2141220" y="4084320"/>
+                  <a:ext cx="735330" cy="720090"/>
+                </a:xfrm>
+                <a:prstGeom prst="rect">
+                  <a:avLst/>
+                </a:prstGeom>
+              </p:spPr>
+            </p:pic>
+            <p:sp>
+              <p:nvSpPr>
+                <p:cNvPr id="93" name="文本框 92">
+                  <a:extLst>
+                    <a:ext uri="{FF2B5EF4-FFF2-40B4-BE49-F238E27FC236}">
+                      <a16:creationId xmlns:a16="http://schemas.microsoft.com/office/drawing/2014/main" id="{6A624DD8-361E-4F1C-AC7B-B4A620C8D8B9}"/>
+                    </a:ext>
+                  </a:extLst>
+                </p:cNvPr>
+                <p:cNvSpPr txBox="1"/>
+                <p:nvPr/>
+              </p:nvSpPr>
+              <p:spPr>
+                <a:xfrm>
+                  <a:off x="2055828" y="4612640"/>
+                  <a:ext cx="906113" cy="253916"/>
+                </a:xfrm>
+                <a:prstGeom prst="rect">
+                  <a:avLst/>
+                </a:prstGeom>
+                <a:noFill/>
+              </p:spPr>
+              <p:txBody>
+                <a:bodyPr wrap="square" rtlCol="0">
+                  <a:spAutoFit/>
+                </a:bodyPr>
+                <a:lstStyle/>
+                <a:p>
+                  <a:pPr algn="ctr"/>
+                  <a:r>
+                    <a:rPr lang="en-US" altLang="zh-CN" sz="1050" b="1" i="1" dirty="0"/>
+                    <a:t>FL Client</a:t>
+                  </a:r>
+                </a:p>
+              </p:txBody>
+            </p:sp>
+          </p:grpSp>
+          <p:grpSp>
+            <p:nvGrpSpPr>
+              <p:cNvPr id="21" name="组合 20">
+                <a:extLst>
+                  <a:ext uri="{FF2B5EF4-FFF2-40B4-BE49-F238E27FC236}">
+                    <a16:creationId xmlns:a16="http://schemas.microsoft.com/office/drawing/2014/main" id="{02A24C02-63F3-4474-92E8-44B507AD397C}"/>
+                  </a:ext>
+                </a:extLst>
+              </p:cNvPr>
+              <p:cNvGrpSpPr/>
+              <p:nvPr/>
+            </p:nvGrpSpPr>
+            <p:grpSpPr>
+              <a:xfrm>
+                <a:off x="4227965" y="5181554"/>
+                <a:ext cx="1273908" cy="778637"/>
+                <a:chOff x="2140217" y="3844591"/>
+                <a:chExt cx="1273908" cy="778637"/>
+              </a:xfrm>
+            </p:grpSpPr>
+            <p:grpSp>
+              <p:nvGrpSpPr>
+                <p:cNvPr id="102" name="组合 101">
+                  <a:extLst>
+                    <a:ext uri="{FF2B5EF4-FFF2-40B4-BE49-F238E27FC236}">
+                      <a16:creationId xmlns:a16="http://schemas.microsoft.com/office/drawing/2014/main" id="{C58481CD-A263-41FC-A97C-15C1CE00BDF6}"/>
+                    </a:ext>
+                  </a:extLst>
+                </p:cNvPr>
+                <p:cNvGrpSpPr/>
+                <p:nvPr/>
+              </p:nvGrpSpPr>
+              <p:grpSpPr>
+                <a:xfrm>
+                  <a:off x="2140217" y="3844591"/>
+                  <a:ext cx="1273908" cy="778637"/>
+                  <a:chOff x="7302666" y="3737852"/>
+                  <a:chExt cx="1273908" cy="778637"/>
+                </a:xfrm>
+              </p:grpSpPr>
+              <p:pic>
+                <p:nvPicPr>
+                  <p:cNvPr id="103" name="图片 102" descr="人工智能">
+                    <a:extLst>
+                      <a:ext uri="{FF2B5EF4-FFF2-40B4-BE49-F238E27FC236}">
+                        <a16:creationId xmlns:a16="http://schemas.microsoft.com/office/drawing/2014/main" id="{44FE7E78-0388-4E2B-AA03-4C5C9F0E7B3C}"/>
+                      </a:ext>
+                    </a:extLst>
+                  </p:cNvPr>
+                  <p:cNvPicPr>
+                    <a:picLocks noChangeAspect="1"/>
+                  </p:cNvPicPr>
+                  <p:nvPr/>
+                </p:nvPicPr>
+                <p:blipFill>
+                  <a:blip r:embed="rId2"/>
+                  <a:stretch>
+                    <a:fillRect/>
+                  </a:stretch>
+                </p:blipFill>
+                <p:spPr>
+                  <a:xfrm>
+                    <a:off x="7650981" y="3737852"/>
+                    <a:ext cx="612000" cy="612000"/>
+                  </a:xfrm>
+                  <a:prstGeom prst="rect">
+                    <a:avLst/>
+                  </a:prstGeom>
+                </p:spPr>
+              </p:pic>
+              <p:sp>
+                <p:nvSpPr>
+                  <p:cNvPr id="104" name="文本框 103">
+                    <a:extLst>
+                      <a:ext uri="{FF2B5EF4-FFF2-40B4-BE49-F238E27FC236}">
+                        <a16:creationId xmlns:a16="http://schemas.microsoft.com/office/drawing/2014/main" id="{EC2AC9C0-33F3-4643-86C1-311B95D12101}"/>
+                      </a:ext>
+                    </a:extLst>
+                  </p:cNvPr>
+                  <p:cNvSpPr txBox="1"/>
+                  <p:nvPr/>
+                </p:nvSpPr>
+                <p:spPr>
+                  <a:xfrm>
+                    <a:off x="7302666" y="4262573"/>
+                    <a:ext cx="1273908" cy="253916"/>
+                  </a:xfrm>
+                  <a:prstGeom prst="rect">
+                    <a:avLst/>
+                  </a:prstGeom>
+                  <a:noFill/>
+                </p:spPr>
+                <p:txBody>
+                  <a:bodyPr wrap="square" rtlCol="0">
+                    <a:spAutoFit/>
+                  </a:bodyPr>
+                  <a:lstStyle/>
+                  <a:p>
+                    <a:pPr algn="ctr"/>
+                    <a:r>
+                      <a:rPr lang="en-US" altLang="zh-CN" sz="1050" b="1" dirty="0"/>
+                      <a:t>Poisoned Model</a:t>
+                    </a:r>
+                  </a:p>
+                </p:txBody>
+              </p:sp>
+            </p:grpSp>
+            <p:pic>
+              <p:nvPicPr>
+                <p:cNvPr id="105" name="图片 104" descr="病毒 (1)">
+                  <a:extLst>
+                    <a:ext uri="{FF2B5EF4-FFF2-40B4-BE49-F238E27FC236}">
+                      <a16:creationId xmlns:a16="http://schemas.microsoft.com/office/drawing/2014/main" id="{21291630-BAC6-41A8-95E5-B4230B1A2EF6}"/>
+                    </a:ext>
+                  </a:extLst>
+                </p:cNvPr>
+                <p:cNvPicPr>
+                  <a:picLocks noChangeAspect="1"/>
+                </p:cNvPicPr>
+                <p:nvPr/>
+              </p:nvPicPr>
+              <p:blipFill>
+                <a:blip r:embed="rId6"/>
+                <a:stretch>
+                  <a:fillRect/>
+                </a:stretch>
+              </p:blipFill>
+              <p:spPr>
+                <a:xfrm>
+                  <a:off x="2821767" y="4096360"/>
+                  <a:ext cx="360045" cy="360045"/>
+                </a:xfrm>
+                <a:prstGeom prst="rect">
+                  <a:avLst/>
+                </a:prstGeom>
+              </p:spPr>
+            </p:pic>
+          </p:grpSp>
+          <p:cxnSp>
+            <p:nvCxnSpPr>
+              <p:cNvPr id="18" name="直接箭头连接符 157">
+                <a:extLst>
+                  <a:ext uri="{FF2B5EF4-FFF2-40B4-BE49-F238E27FC236}">
+                    <a16:creationId xmlns:a16="http://schemas.microsoft.com/office/drawing/2014/main" id="{C058DD50-AE19-4B33-890F-3EEEF07F328B}"/>
+                  </a:ext>
+                </a:extLst>
+              </p:cNvPr>
+              <p:cNvCxnSpPr>
+                <a:cxnSpLocks/>
+                <a:stCxn id="71" idx="3"/>
+                <a:endCxn id="103" idx="1"/>
+              </p:cNvCxnSpPr>
+              <p:nvPr/>
+            </p:nvCxnSpPr>
+            <p:spPr>
+              <a:xfrm flipV="1">
+                <a:off x="3978914" y="5487554"/>
+                <a:ext cx="597366" cy="2112"/>
+              </a:xfrm>
+              <a:prstGeom prst="straightConnector1">
+                <a:avLst/>
+              </a:prstGeom>
+              <a:ln>
+                <a:tailEnd type="triangle"/>
+              </a:ln>
+            </p:spPr>
+            <p:style>
+              <a:lnRef idx="3">
+                <a:schemeClr val="dk1"/>
+              </a:lnRef>
+              <a:fillRef idx="0">
+                <a:schemeClr val="dk1"/>
+              </a:fillRef>
+              <a:effectRef idx="2">
+                <a:schemeClr val="dk1"/>
+              </a:effectRef>
+              <a:fontRef idx="minor">
+                <a:schemeClr val="tx1"/>
+              </a:fontRef>
+            </p:style>
+          </p:cxnSp>
+        </p:grpSp>
         <p:cxnSp>
           <p:nvCxnSpPr>
-            <p:cNvPr id="32" name="直接箭头连接符 157">
+            <p:cNvPr id="25" name="Connector: Curved 24">
               <a:extLst>
                 <a:ext uri="{FF2B5EF4-FFF2-40B4-BE49-F238E27FC236}">
-                  <a16:creationId xmlns:a16="http://schemas.microsoft.com/office/drawing/2014/main" id="{BCFE9391-FF40-4505-8324-0FCF6B0B9C53}"/>
+                  <a16:creationId xmlns:a16="http://schemas.microsoft.com/office/drawing/2014/main" id="{3FEFF79F-9F25-46D4-8BF3-592F0BC193A8}"/>
                 </a:ext>
               </a:extLst>
             </p:cNvPr>
             <p:cNvCxnSpPr>
               <a:cxnSpLocks/>
-              <a:stCxn id="141" idx="3"/>
-              <a:endCxn id="134" idx="2"/>
+              <a:stCxn id="132" idx="3"/>
+              <a:endCxn id="141" idx="0"/>
             </p:cNvCxnSpPr>
             <p:nvPr/>
           </p:nvCxnSpPr>
           <p:spPr>
-            <a:xfrm flipV="1">
-              <a:off x="4460565" y="3502008"/>
-              <a:ext cx="295" cy="230336"/>
+            <a:xfrm flipH="1" flipV="1">
+              <a:off x="5183373" y="3707376"/>
+              <a:ext cx="60095" cy="690197"/>
             </a:xfrm>
-            <a:prstGeom prst="straightConnector1">
-              <a:avLst/>
+            <a:prstGeom prst="curvedConnector3">
+              <a:avLst>
+                <a:gd name="adj1" fmla="val -380398"/>
+              </a:avLst>
             </a:prstGeom>
-            <a:ln>
+            <a:ln w="19050">
+              <a:solidFill>
+                <a:schemeClr val="tx1"/>
+              </a:solidFill>
               <a:tailEnd type="triangle"/>
             </a:ln>
           </p:spPr>
           <p:style>
-            <a:lnRef idx="3">
-              <a:schemeClr val="dk1"/>
+            <a:lnRef idx="1">
+              <a:schemeClr val="accent1"/>
             </a:lnRef>
             <a:fillRef idx="0">
-              <a:schemeClr val="dk1"/>
+              <a:schemeClr val="accent1"/>
             </a:fillRef>
-            <a:effectRef idx="2">
-              <a:schemeClr val="dk1"/>
+            <a:effectRef idx="0">
+              <a:schemeClr val="accent1"/>
             </a:effectRef>
             <a:fontRef idx="minor">
               <a:schemeClr val="tx1"/>
             </a:fontRef>
           </p:style>
         </p:cxnSp>
+        <p:cxnSp>
+          <p:nvCxnSpPr>
+            <p:cNvPr id="29" name="Connector: Curved 28">
+              <a:extLst>
+                <a:ext uri="{FF2B5EF4-FFF2-40B4-BE49-F238E27FC236}">
+                  <a16:creationId xmlns:a16="http://schemas.microsoft.com/office/drawing/2014/main" id="{3BCF2BA8-63FF-4072-95FD-8BE15C8F1582}"/>
+                </a:ext>
+              </a:extLst>
+            </p:cNvPr>
+            <p:cNvCxnSpPr>
+              <a:cxnSpLocks/>
+              <a:stCxn id="141" idx="2"/>
+              <a:endCxn id="74" idx="1"/>
+            </p:cNvCxnSpPr>
+            <p:nvPr/>
+          </p:nvCxnSpPr>
+          <p:spPr>
+            <a:xfrm rot="10800000" flipV="1">
+              <a:off x="3331490" y="3707375"/>
+              <a:ext cx="17616" cy="706063"/>
+            </a:xfrm>
+            <a:prstGeom prst="curvedConnector3">
+              <a:avLst>
+                <a:gd name="adj1" fmla="val 1397684"/>
+              </a:avLst>
+            </a:prstGeom>
+            <a:ln w="19050">
+              <a:solidFill>
+                <a:schemeClr val="tx1"/>
+              </a:solidFill>
+              <a:tailEnd type="triangle"/>
+            </a:ln>
+          </p:spPr>
+          <p:style>
+            <a:lnRef idx="1">
+              <a:schemeClr val="accent1"/>
+            </a:lnRef>
+            <a:fillRef idx="0">
+              <a:schemeClr val="accent1"/>
+            </a:fillRef>
+            <a:effectRef idx="0">
+              <a:schemeClr val="accent1"/>
+            </a:effectRef>
+            <a:fontRef idx="minor">
+              <a:schemeClr val="tx1"/>
+            </a:fontRef>
+          </p:style>
+        </p:cxnSp>
+        <p:sp>
+          <p:nvSpPr>
+            <p:cNvPr id="35" name="Rectangle 34">
+              <a:extLst>
+                <a:ext uri="{FF2B5EF4-FFF2-40B4-BE49-F238E27FC236}">
+                  <a16:creationId xmlns:a16="http://schemas.microsoft.com/office/drawing/2014/main" id="{E19D297B-B578-4636-A547-CFAFB39AC86D}"/>
+                </a:ext>
+              </a:extLst>
+            </p:cNvPr>
+            <p:cNvSpPr/>
+            <p:nvPr/>
+          </p:nvSpPr>
+          <p:spPr>
+            <a:xfrm>
+              <a:off x="3035310" y="3429000"/>
+              <a:ext cx="2465375" cy="1451795"/>
+            </a:xfrm>
+            <a:prstGeom prst="rect">
+              <a:avLst/>
+            </a:prstGeom>
+            <a:noFill/>
+            <a:ln w="19050">
+              <a:prstDash val="dash"/>
+            </a:ln>
+          </p:spPr>
+          <p:style>
+            <a:lnRef idx="2">
+              <a:schemeClr val="accent1"/>
+            </a:lnRef>
+            <a:fillRef idx="1">
+              <a:schemeClr val="lt1"/>
+            </a:fillRef>
+            <a:effectRef idx="0">
+              <a:schemeClr val="accent1"/>
+            </a:effectRef>
+            <a:fontRef idx="minor">
+              <a:schemeClr val="dk1"/>
+            </a:fontRef>
+          </p:style>
+          <p:txBody>
+            <a:bodyPr rtlCol="0" anchor="ctr"/>
+            <a:lstStyle/>
+            <a:p>
+              <a:pPr algn="ctr"/>
+              <a:endParaRPr lang="en-US" sz="1050"/>
+            </a:p>
+          </p:txBody>
+        </p:sp>
+        <p:sp>
+          <p:nvSpPr>
+            <p:cNvPr id="36" name="Rectangle 35">
+              <a:extLst>
+                <a:ext uri="{FF2B5EF4-FFF2-40B4-BE49-F238E27FC236}">
+                  <a16:creationId xmlns:a16="http://schemas.microsoft.com/office/drawing/2014/main" id="{F4E71EE0-868F-4FF2-A963-58E4FCA02CAF}"/>
+                </a:ext>
+              </a:extLst>
+            </p:cNvPr>
+            <p:cNvSpPr/>
+            <p:nvPr/>
+          </p:nvSpPr>
+          <p:spPr>
+            <a:xfrm>
+              <a:off x="3035310" y="5155445"/>
+              <a:ext cx="2465375" cy="743466"/>
+            </a:xfrm>
+            <a:prstGeom prst="rect">
+              <a:avLst/>
+            </a:prstGeom>
+            <a:noFill/>
+            <a:ln w="19050">
+              <a:solidFill>
+                <a:schemeClr val="accent2"/>
+              </a:solidFill>
+              <a:prstDash val="dash"/>
+            </a:ln>
+          </p:spPr>
+          <p:style>
+            <a:lnRef idx="2">
+              <a:schemeClr val="accent1"/>
+            </a:lnRef>
+            <a:fillRef idx="1">
+              <a:schemeClr val="lt1"/>
+            </a:fillRef>
+            <a:effectRef idx="0">
+              <a:schemeClr val="accent1"/>
+            </a:effectRef>
+            <a:fontRef idx="minor">
+              <a:schemeClr val="dk1"/>
+            </a:fontRef>
+          </p:style>
+          <p:txBody>
+            <a:bodyPr rtlCol="0" anchor="ctr"/>
+            <a:lstStyle/>
+            <a:p>
+              <a:pPr algn="ctr"/>
+              <a:endParaRPr lang="en-US" sz="1050"/>
+            </a:p>
+          </p:txBody>
+        </p:sp>
       </p:grpSp>
     </p:spTree>
     <p:extLst>

--- a/Manuscript/figures/FLPhish_System.pptx
+++ b/Manuscript/figures/FLPhish_System.pptx
@@ -241,7 +241,7 @@
           <a:p>
             <a:fld id="{D997B5FA-0921-464F-AAE1-844C04324D75}" type="datetimeFigureOut">
               <a:rPr lang="zh-CN" altLang="en-US" smtClean="0"/>
-              <a:t>2021/12/22</a:t>
+              <a:t>2021-12-22</a:t>
             </a:fld>
             <a:endParaRPr lang="zh-CN" altLang="en-US"/>
           </a:p>
@@ -404,7 +404,7 @@
           <a:p>
             <a:fld id="{D997B5FA-0921-464F-AAE1-844C04324D75}" type="datetimeFigureOut">
               <a:rPr lang="zh-CN" altLang="en-US" smtClean="0"/>
-              <a:t>2021/12/22</a:t>
+              <a:t>2021-12-22</a:t>
             </a:fld>
             <a:endParaRPr lang="zh-CN" altLang="en-US"/>
           </a:p>
@@ -577,7 +577,7 @@
           <a:p>
             <a:fld id="{D997B5FA-0921-464F-AAE1-844C04324D75}" type="datetimeFigureOut">
               <a:rPr lang="zh-CN" altLang="en-US" smtClean="0"/>
-              <a:t>2021/12/22</a:t>
+              <a:t>2021-12-22</a:t>
             </a:fld>
             <a:endParaRPr lang="zh-CN" altLang="en-US"/>
           </a:p>
@@ -740,7 +740,7 @@
           <a:p>
             <a:fld id="{D997B5FA-0921-464F-AAE1-844C04324D75}" type="datetimeFigureOut">
               <a:rPr lang="zh-CN" altLang="en-US" smtClean="0"/>
-              <a:t>2021/12/22</a:t>
+              <a:t>2021-12-22</a:t>
             </a:fld>
             <a:endParaRPr lang="zh-CN" altLang="en-US"/>
           </a:p>
@@ -980,7 +980,7 @@
           <a:p>
             <a:fld id="{D997B5FA-0921-464F-AAE1-844C04324D75}" type="datetimeFigureOut">
               <a:rPr lang="zh-CN" altLang="en-US" smtClean="0"/>
-              <a:t>2021/12/22</a:t>
+              <a:t>2021-12-22</a:t>
             </a:fld>
             <a:endParaRPr lang="zh-CN" altLang="en-US"/>
           </a:p>
@@ -1204,7 +1204,7 @@
           <a:p>
             <a:fld id="{D997B5FA-0921-464F-AAE1-844C04324D75}" type="datetimeFigureOut">
               <a:rPr lang="zh-CN" altLang="en-US" smtClean="0"/>
-              <a:t>2021/12/22</a:t>
+              <a:t>2021-12-22</a:t>
             </a:fld>
             <a:endParaRPr lang="zh-CN" altLang="en-US"/>
           </a:p>
@@ -1563,7 +1563,7 @@
           <a:p>
             <a:fld id="{D997B5FA-0921-464F-AAE1-844C04324D75}" type="datetimeFigureOut">
               <a:rPr lang="zh-CN" altLang="en-US" smtClean="0"/>
-              <a:t>2021/12/22</a:t>
+              <a:t>2021-12-22</a:t>
             </a:fld>
             <a:endParaRPr lang="zh-CN" altLang="en-US"/>
           </a:p>
@@ -1675,7 +1675,7 @@
           <a:p>
             <a:fld id="{D997B5FA-0921-464F-AAE1-844C04324D75}" type="datetimeFigureOut">
               <a:rPr lang="zh-CN" altLang="en-US" smtClean="0"/>
-              <a:t>2021/12/22</a:t>
+              <a:t>2021-12-22</a:t>
             </a:fld>
             <a:endParaRPr lang="zh-CN" altLang="en-US"/>
           </a:p>
@@ -1765,7 +1765,7 @@
           <a:p>
             <a:fld id="{D997B5FA-0921-464F-AAE1-844C04324D75}" type="datetimeFigureOut">
               <a:rPr lang="zh-CN" altLang="en-US" smtClean="0"/>
-              <a:t>2021/12/22</a:t>
+              <a:t>2021-12-22</a:t>
             </a:fld>
             <a:endParaRPr lang="zh-CN" altLang="en-US"/>
           </a:p>
@@ -2035,7 +2035,7 @@
           <a:p>
             <a:fld id="{D997B5FA-0921-464F-AAE1-844C04324D75}" type="datetimeFigureOut">
               <a:rPr lang="zh-CN" altLang="en-US" smtClean="0"/>
-              <a:t>2021/12/22</a:t>
+              <a:t>2021-12-22</a:t>
             </a:fld>
             <a:endParaRPr lang="zh-CN" altLang="en-US"/>
           </a:p>
@@ -2282,7 +2282,7 @@
           <a:p>
             <a:fld id="{D997B5FA-0921-464F-AAE1-844C04324D75}" type="datetimeFigureOut">
               <a:rPr lang="zh-CN" altLang="en-US" smtClean="0"/>
-              <a:t>2021/12/22</a:t>
+              <a:t>2021-12-22</a:t>
             </a:fld>
             <a:endParaRPr lang="zh-CN" altLang="en-US"/>
           </a:p>
@@ -2488,7 +2488,7 @@
           <a:p>
             <a:fld id="{D997B5FA-0921-464F-AAE1-844C04324D75}" type="datetimeFigureOut">
               <a:rPr lang="zh-CN" altLang="en-US" smtClean="0"/>
-              <a:t>2021/12/22</a:t>
+              <a:t>2021-12-22</a:t>
             </a:fld>
             <a:endParaRPr lang="zh-CN" altLang="en-US"/>
           </a:p>
@@ -2890,10 +2890,10 @@
       </p:grpSpPr>
       <p:grpSp>
         <p:nvGrpSpPr>
-          <p:cNvPr id="37" name="Group 36">
+          <p:cNvPr id="12" name="组合 11">
             <a:extLst>
               <a:ext uri="{FF2B5EF4-FFF2-40B4-BE49-F238E27FC236}">
-                <a16:creationId xmlns:a16="http://schemas.microsoft.com/office/drawing/2014/main" id="{ECFE6AAA-70EF-4FDB-A0F7-BD56C5678789}"/>
+                <a16:creationId xmlns:a16="http://schemas.microsoft.com/office/drawing/2014/main" id="{941A6BD4-4697-4971-9134-BE92FEF2600E}"/>
               </a:ext>
             </a:extLst>
           </p:cNvPr>
@@ -2902,9 +2902,9 @@
         </p:nvGrpSpPr>
         <p:grpSpPr>
           <a:xfrm>
-            <a:off x="2202292" y="3429000"/>
+            <a:off x="2968646" y="1591491"/>
             <a:ext cx="3301669" cy="2506797"/>
-            <a:chOff x="2202292" y="3429000"/>
+            <a:chOff x="2968646" y="1591491"/>
             <a:chExt cx="3301669" cy="2506797"/>
           </a:xfrm>
         </p:grpSpPr>
@@ -2922,7 +2922,7 @@
           </p:nvGrpSpPr>
           <p:grpSpPr>
             <a:xfrm>
-              <a:off x="3067559" y="4107439"/>
+              <a:off x="3833913" y="2269930"/>
               <a:ext cx="1102955" cy="768782"/>
               <a:chOff x="7581350" y="3715581"/>
               <a:chExt cx="1102955" cy="768782"/>
@@ -2997,7 +2997,7 @@
           </p:nvGrpSpPr>
           <p:grpSpPr>
             <a:xfrm>
-              <a:off x="2202292" y="3803641"/>
+              <a:off x="2968646" y="1966132"/>
               <a:ext cx="945947" cy="848851"/>
               <a:chOff x="6754915" y="2142173"/>
               <a:chExt cx="945947" cy="848851"/>
@@ -3084,7 +3084,7 @@
           </p:nvGrpSpPr>
           <p:grpSpPr>
             <a:xfrm>
-              <a:off x="4262975" y="4073573"/>
+              <a:off x="5029329" y="2236064"/>
               <a:ext cx="1240986" cy="797980"/>
               <a:chOff x="6264427" y="2510771"/>
               <a:chExt cx="1240986" cy="797980"/>
@@ -3171,7 +3171,7 @@
           </p:nvGrpSpPr>
           <p:grpSpPr>
             <a:xfrm>
-              <a:off x="3343394" y="3431975"/>
+              <a:off x="4109748" y="1594466"/>
               <a:ext cx="1841514" cy="550802"/>
               <a:chOff x="3346766" y="3392131"/>
               <a:chExt cx="1841514" cy="550802"/>
@@ -3470,7 +3470,7 @@
           </p:nvCxnSpPr>
           <p:spPr>
             <a:xfrm flipV="1">
-              <a:off x="4882280" y="4871553"/>
+              <a:off x="5648634" y="3034044"/>
               <a:ext cx="1188" cy="282008"/>
             </a:xfrm>
             <a:prstGeom prst="straightConnector1">
@@ -3507,14 +3507,13 @@
             <p:cNvCxnSpPr>
               <a:cxnSpLocks/>
               <a:stCxn id="134" idx="2"/>
-              <a:endCxn id="71" idx="0"/>
             </p:cNvCxnSpPr>
             <p:nvPr/>
           </p:nvCxnSpPr>
           <p:spPr>
             <a:xfrm flipH="1">
-              <a:off x="3618869" y="4876221"/>
-              <a:ext cx="168" cy="225407"/>
+              <a:off x="4385223" y="3038712"/>
+              <a:ext cx="168" cy="277340"/>
             </a:xfrm>
             <a:prstGeom prst="straightConnector1">
               <a:avLst/>
@@ -3552,7 +3551,7 @@
           </p:nvGrpSpPr>
           <p:grpSpPr>
             <a:xfrm>
-              <a:off x="2221651" y="5101628"/>
+              <a:off x="2988005" y="3264119"/>
               <a:ext cx="3280222" cy="834169"/>
               <a:chOff x="2221651" y="5129621"/>
               <a:chExt cx="3280222" cy="834169"/>
@@ -3938,7 +3937,7 @@
           </p:nvCxnSpPr>
           <p:spPr>
             <a:xfrm flipH="1" flipV="1">
-              <a:off x="5183373" y="3707376"/>
+              <a:off x="5949727" y="1869867"/>
               <a:ext cx="60095" cy="690197"/>
             </a:xfrm>
             <a:prstGeom prst="curvedConnector3">
@@ -3986,7 +3985,7 @@
           </p:nvCxnSpPr>
           <p:spPr>
             <a:xfrm rot="10800000" flipV="1">
-              <a:off x="3331490" y="3707375"/>
+              <a:off x="4097844" y="1869866"/>
               <a:ext cx="17616" cy="706063"/>
             </a:xfrm>
             <a:prstGeom prst="curvedConnector3">
@@ -4030,7 +4029,7 @@
           </p:nvSpPr>
           <p:spPr>
             <a:xfrm>
-              <a:off x="3035310" y="3429000"/>
+              <a:off x="3801664" y="1591491"/>
               <a:ext cx="2465375" cy="1451795"/>
             </a:xfrm>
             <a:prstGeom prst="rect">
@@ -4078,7 +4077,7 @@
           </p:nvSpPr>
           <p:spPr>
             <a:xfrm>
-              <a:off x="3035310" y="5155445"/>
+              <a:off x="3801664" y="3317936"/>
               <a:ext cx="2465375" cy="743466"/>
             </a:xfrm>
             <a:prstGeom prst="rect">
